--- a/Napredno Softversko Inzenjerstvo.pptx
+++ b/Napredno Softversko Inzenjerstvo.pptx
@@ -5,10 +5,10 @@
     <p:sldMasterId id="2147483672" r:id="rId4"/>
   </p:sldMasterIdLst>
   <p:notesMasterIdLst>
-    <p:notesMasterId r:id="rId20"/>
+    <p:notesMasterId r:id="rId23"/>
   </p:notesMasterIdLst>
   <p:handoutMasterIdLst>
-    <p:handoutMasterId r:id="rId21"/>
+    <p:handoutMasterId r:id="rId24"/>
   </p:handoutMasterIdLst>
   <p:sldIdLst>
     <p:sldId id="256" r:id="rId5"/>
@@ -18,14 +18,17 @@
     <p:sldId id="267" r:id="rId9"/>
     <p:sldId id="264" r:id="rId10"/>
     <p:sldId id="269" r:id="rId11"/>
-    <p:sldId id="265" r:id="rId12"/>
-    <p:sldId id="266" r:id="rId13"/>
-    <p:sldId id="270" r:id="rId14"/>
-    <p:sldId id="273" r:id="rId15"/>
-    <p:sldId id="271" r:id="rId16"/>
-    <p:sldId id="274" r:id="rId17"/>
-    <p:sldId id="272" r:id="rId18"/>
-    <p:sldId id="260" r:id="rId19"/>
+    <p:sldId id="275" r:id="rId12"/>
+    <p:sldId id="265" r:id="rId13"/>
+    <p:sldId id="266" r:id="rId14"/>
+    <p:sldId id="276" r:id="rId15"/>
+    <p:sldId id="277" r:id="rId16"/>
+    <p:sldId id="270" r:id="rId17"/>
+    <p:sldId id="273" r:id="rId18"/>
+    <p:sldId id="271" r:id="rId19"/>
+    <p:sldId id="274" r:id="rId20"/>
+    <p:sldId id="272" r:id="rId21"/>
+    <p:sldId id="260" r:id="rId22"/>
   </p:sldIdLst>
   <p:sldSz cx="12192000" cy="6858000"/>
   <p:notesSz cx="6858000" cy="9144000"/>
@@ -229,7 +232,7 @@
           <a:p>
             <a:fld id="{AF869721-F543-4A6C-BF9D-65D7CC540427}" type="datetimeFigureOut">
               <a:rPr lang="en-US" smtClean="0"/>
-              <a:t>2/8/2026</a:t>
+              <a:t>2/9/2026</a:t>
             </a:fld>
             <a:endParaRPr lang="en-US" dirty="0"/>
           </a:p>
@@ -406,7 +409,7 @@
           <a:p>
             <a:fld id="{C732326A-4C88-4AFB-AA5B-5919D81DFF5B}" type="datetimeFigureOut">
               <a:rPr lang="en-US" smtClean="0"/>
-              <a:t>2/8/2026</a:t>
+              <a:t>2/9/2026</a:t>
             </a:fld>
             <a:endParaRPr lang="en-US" dirty="0"/>
           </a:p>
@@ -984,7 +987,429 @@
           <a:bodyPr/>
           <a:lstStyle/>
           <a:p>
-            <a:endParaRPr lang="en-US" dirty="0"/>
+            <a:r>
+              <a:rPr lang="en-US" dirty="0"/>
+              <a:t>“Minimal APIs </a:t>
+            </a:r>
+            <a:r>
+              <a:rPr lang="en-US" dirty="0" err="1"/>
+              <a:t>su</a:t>
+            </a:r>
+            <a:r>
+              <a:rPr lang="en-US" dirty="0"/>
+              <a:t> </a:t>
+            </a:r>
+            <a:r>
+              <a:rPr lang="en-US" dirty="0" err="1"/>
+              <a:t>uvedeni</a:t>
+            </a:r>
+            <a:r>
+              <a:rPr lang="en-US" dirty="0"/>
+              <a:t> da bi se </a:t>
+            </a:r>
+            <a:r>
+              <a:rPr lang="en-US" dirty="0" err="1"/>
+              <a:t>smanjila</a:t>
+            </a:r>
+            <a:r>
+              <a:rPr lang="en-US" dirty="0"/>
+              <a:t> </a:t>
+            </a:r>
+            <a:r>
+              <a:rPr lang="en-US" dirty="0" err="1"/>
+              <a:t>količina</a:t>
+            </a:r>
+            <a:r>
+              <a:rPr lang="en-US" dirty="0"/>
+              <a:t> boilerplate </a:t>
+            </a:r>
+            <a:r>
+              <a:rPr lang="en-US" dirty="0" err="1"/>
+              <a:t>koda</a:t>
+            </a:r>
+            <a:r>
+              <a:rPr lang="en-US" dirty="0"/>
+              <a:t> </a:t>
+            </a:r>
+            <a:r>
+              <a:rPr lang="en-US" dirty="0" err="1"/>
+              <a:t>prilikom</a:t>
+            </a:r>
+            <a:r>
+              <a:rPr lang="en-US" dirty="0"/>
+              <a:t> </a:t>
+            </a:r>
+            <a:r>
+              <a:rPr lang="en-US" dirty="0" err="1"/>
+              <a:t>razvoja</a:t>
+            </a:r>
+            <a:r>
+              <a:rPr lang="en-US" dirty="0"/>
+              <a:t> HTTP </a:t>
+            </a:r>
+            <a:r>
+              <a:rPr lang="en-US" dirty="0" err="1"/>
+              <a:t>servisa</a:t>
+            </a:r>
+            <a:r>
+              <a:rPr lang="en-US" dirty="0"/>
+              <a:t>.</a:t>
+            </a:r>
+            <a:br>
+              <a:rPr lang="en-US" dirty="0"/>
+            </a:br>
+            <a:r>
+              <a:rPr lang="en-US" dirty="0" err="1"/>
+              <a:t>Ideja</a:t>
+            </a:r>
+            <a:r>
+              <a:rPr lang="en-US" dirty="0"/>
+              <a:t> </a:t>
+            </a:r>
+            <a:r>
+              <a:rPr lang="en-US" dirty="0" err="1"/>
+              <a:t>nije</a:t>
+            </a:r>
+            <a:r>
+              <a:rPr lang="en-US" dirty="0"/>
+              <a:t> da se </a:t>
+            </a:r>
+            <a:r>
+              <a:rPr lang="en-US" dirty="0" err="1"/>
+              <a:t>uklone</a:t>
+            </a:r>
+            <a:r>
+              <a:rPr lang="en-US" dirty="0"/>
+              <a:t> </a:t>
+            </a:r>
+            <a:r>
+              <a:rPr lang="en-US" dirty="0" err="1"/>
+              <a:t>postojeće</a:t>
+            </a:r>
+            <a:r>
+              <a:rPr lang="en-US" dirty="0"/>
+              <a:t> </a:t>
+            </a:r>
+            <a:r>
+              <a:rPr lang="en-US" dirty="0" err="1"/>
+              <a:t>mogućnosti</a:t>
+            </a:r>
+            <a:r>
+              <a:rPr lang="en-US" dirty="0"/>
+              <a:t> ASP.NET Core-a, </a:t>
+            </a:r>
+            <a:r>
+              <a:rPr lang="en-US" dirty="0" err="1"/>
+              <a:t>već</a:t>
+            </a:r>
+            <a:r>
+              <a:rPr lang="en-US" dirty="0"/>
+              <a:t> da se </a:t>
+            </a:r>
+            <a:r>
+              <a:rPr lang="en-US" dirty="0" err="1"/>
+              <a:t>omogući</a:t>
+            </a:r>
+            <a:r>
+              <a:rPr lang="en-US" dirty="0"/>
+              <a:t> </a:t>
+            </a:r>
+            <a:r>
+              <a:rPr lang="en-US" dirty="0" err="1"/>
+              <a:t>direktniji</a:t>
+            </a:r>
+            <a:r>
+              <a:rPr lang="en-US" dirty="0"/>
+              <a:t> </a:t>
+            </a:r>
+            <a:r>
+              <a:rPr lang="en-US" dirty="0" err="1"/>
+              <a:t>i</a:t>
+            </a:r>
+            <a:r>
+              <a:rPr lang="en-US" dirty="0"/>
+              <a:t> </a:t>
+            </a:r>
+            <a:r>
+              <a:rPr lang="en-US" dirty="0" err="1"/>
+              <a:t>čitljiviji</a:t>
+            </a:r>
+            <a:r>
+              <a:rPr lang="en-US" dirty="0"/>
+              <a:t> </a:t>
+            </a:r>
+            <a:r>
+              <a:rPr lang="en-US" dirty="0" err="1"/>
+              <a:t>način</a:t>
+            </a:r>
+            <a:r>
+              <a:rPr lang="en-US" dirty="0"/>
+              <a:t> </a:t>
+            </a:r>
+            <a:r>
+              <a:rPr lang="en-US" dirty="0" err="1"/>
+              <a:t>definisanja</a:t>
+            </a:r>
+            <a:r>
+              <a:rPr lang="en-US" dirty="0"/>
+              <a:t> </a:t>
+            </a:r>
+            <a:r>
+              <a:rPr lang="en-US" dirty="0" err="1"/>
+              <a:t>endpointa</a:t>
+            </a:r>
+            <a:r>
+              <a:rPr lang="en-US" dirty="0"/>
+              <a:t>.”</a:t>
+            </a:r>
+          </a:p>
+          <a:p>
+            <a:r>
+              <a:rPr lang="en-US" dirty="0"/>
+              <a:t>Ako </a:t>
+            </a:r>
+            <a:r>
+              <a:rPr lang="en-US" dirty="0" err="1"/>
+              <a:t>hoćeš</a:t>
+            </a:r>
+            <a:r>
+              <a:rPr lang="en-US" dirty="0"/>
+              <a:t> </a:t>
+            </a:r>
+            <a:r>
+              <a:rPr lang="en-US" dirty="0" err="1"/>
+              <a:t>jače</a:t>
+            </a:r>
+            <a:r>
+              <a:rPr lang="en-US" dirty="0"/>
+              <a:t>:</a:t>
+            </a:r>
+          </a:p>
+          <a:p>
+            <a:r>
+              <a:rPr lang="en-US" dirty="0"/>
+              <a:t>“Minimal APIs </a:t>
+            </a:r>
+            <a:r>
+              <a:rPr lang="en-US" dirty="0" err="1"/>
+              <a:t>su</a:t>
+            </a:r>
+            <a:r>
+              <a:rPr lang="en-US" dirty="0"/>
+              <a:t> </a:t>
+            </a:r>
+            <a:r>
+              <a:rPr lang="en-US" dirty="0" err="1"/>
+              <a:t>odgovor</a:t>
+            </a:r>
+            <a:r>
+              <a:rPr lang="en-US" dirty="0"/>
+              <a:t> .NET </a:t>
+            </a:r>
+            <a:r>
+              <a:rPr lang="en-US" dirty="0" err="1"/>
+              <a:t>sveta</a:t>
+            </a:r>
+            <a:r>
+              <a:rPr lang="en-US" dirty="0"/>
+              <a:t> </a:t>
+            </a:r>
+            <a:r>
+              <a:rPr lang="en-US" dirty="0" err="1"/>
+              <a:t>na</a:t>
+            </a:r>
+            <a:r>
+              <a:rPr lang="en-US" dirty="0"/>
+              <a:t> Express </a:t>
+            </a:r>
+            <a:r>
+              <a:rPr lang="en-US" dirty="0" err="1"/>
+              <a:t>i</a:t>
+            </a:r>
+            <a:r>
+              <a:rPr lang="en-US" dirty="0"/>
+              <a:t> </a:t>
+            </a:r>
+            <a:r>
+              <a:rPr lang="en-US" dirty="0" err="1"/>
+              <a:t>FastAPI</a:t>
+            </a:r>
+            <a:r>
+              <a:rPr lang="en-US" dirty="0"/>
+              <a:t> </a:t>
+            </a:r>
+            <a:r>
+              <a:rPr lang="en-US" dirty="0" err="1"/>
+              <a:t>stil</a:t>
+            </a:r>
+            <a:r>
+              <a:rPr lang="en-US" dirty="0"/>
+              <a:t> </a:t>
+            </a:r>
+            <a:r>
+              <a:rPr lang="en-US" dirty="0" err="1"/>
+              <a:t>razvoja</a:t>
+            </a:r>
+            <a:r>
+              <a:rPr lang="en-US" dirty="0"/>
+              <a:t>.”</a:t>
+            </a:r>
+          </a:p>
+          <a:p>
+            <a:br>
+              <a:rPr lang="en-US" dirty="0"/>
+            </a:br>
+            <a:br>
+              <a:rPr lang="en-US" dirty="0"/>
+            </a:br>
+            <a:r>
+              <a:rPr lang="en-US" dirty="0"/>
+              <a:t>“Minimal APIs ne </a:t>
+            </a:r>
+            <a:r>
+              <a:rPr lang="en-US" dirty="0" err="1"/>
+              <a:t>uklanjaju</a:t>
+            </a:r>
+            <a:r>
+              <a:rPr lang="en-US" dirty="0"/>
+              <a:t> ASP.NET Core </a:t>
+            </a:r>
+            <a:r>
+              <a:rPr lang="en-US" dirty="0" err="1"/>
+              <a:t>mehanizme</a:t>
+            </a:r>
+            <a:r>
+              <a:rPr lang="en-US" dirty="0"/>
+              <a:t>, </a:t>
+            </a:r>
+            <a:r>
+              <a:rPr lang="en-US" dirty="0" err="1"/>
+              <a:t>već</a:t>
+            </a:r>
+            <a:r>
+              <a:rPr lang="en-US" dirty="0"/>
+              <a:t> </a:t>
+            </a:r>
+            <a:r>
+              <a:rPr lang="en-US" dirty="0" err="1"/>
+              <a:t>samo</a:t>
+            </a:r>
+            <a:r>
+              <a:rPr lang="en-US" dirty="0"/>
+              <a:t> </a:t>
+            </a:r>
+            <a:r>
+              <a:rPr lang="en-US" dirty="0" err="1"/>
+              <a:t>uklanjaju</a:t>
+            </a:r>
+            <a:r>
+              <a:rPr lang="en-US" dirty="0"/>
+              <a:t> </a:t>
+            </a:r>
+            <a:r>
+              <a:rPr lang="en-US" dirty="0" err="1"/>
+              <a:t>potrebu</a:t>
+            </a:r>
+            <a:r>
+              <a:rPr lang="en-US" dirty="0"/>
+              <a:t> za Controller </a:t>
+            </a:r>
+            <a:r>
+              <a:rPr lang="en-US" dirty="0" err="1"/>
+              <a:t>slojem</a:t>
+            </a:r>
+            <a:r>
+              <a:rPr lang="en-US" dirty="0"/>
+              <a:t> </a:t>
+            </a:r>
+            <a:r>
+              <a:rPr lang="en-US" dirty="0" err="1"/>
+              <a:t>i</a:t>
+            </a:r>
+            <a:r>
+              <a:rPr lang="en-US" dirty="0"/>
+              <a:t> </a:t>
+            </a:r>
+            <a:r>
+              <a:rPr lang="en-US" dirty="0" err="1"/>
+              <a:t>smanjuju</a:t>
+            </a:r>
+            <a:r>
+              <a:rPr lang="en-US" dirty="0"/>
+              <a:t> </a:t>
+            </a:r>
+            <a:r>
+              <a:rPr lang="en-US" dirty="0" err="1"/>
+              <a:t>ceremonijalni</a:t>
+            </a:r>
+            <a:r>
+              <a:rPr lang="en-US" dirty="0"/>
+              <a:t> </a:t>
+            </a:r>
+            <a:r>
+              <a:rPr lang="en-US" dirty="0" err="1"/>
+              <a:t>kod</a:t>
+            </a:r>
+            <a:r>
+              <a:rPr lang="en-US" dirty="0"/>
+              <a:t>. </a:t>
+            </a:r>
+            <a:r>
+              <a:rPr lang="en-US" dirty="0" err="1"/>
+              <a:t>Ispod</a:t>
+            </a:r>
+            <a:r>
+              <a:rPr lang="en-US" dirty="0"/>
+              <a:t> </a:t>
+            </a:r>
+            <a:r>
+              <a:rPr lang="en-US" dirty="0" err="1"/>
+              <a:t>haube</a:t>
+            </a:r>
+            <a:r>
+              <a:rPr lang="en-US" dirty="0"/>
+              <a:t> </a:t>
+            </a:r>
+            <a:r>
+              <a:rPr lang="en-US" dirty="0" err="1"/>
+              <a:t>i</a:t>
+            </a:r>
+            <a:r>
+              <a:rPr lang="en-US" dirty="0"/>
+              <a:t> </a:t>
+            </a:r>
+            <a:r>
+              <a:rPr lang="en-US" dirty="0" err="1"/>
+              <a:t>dalje</a:t>
+            </a:r>
+            <a:r>
+              <a:rPr lang="en-US" dirty="0"/>
+              <a:t> </a:t>
+            </a:r>
+            <a:r>
+              <a:rPr lang="en-US" dirty="0" err="1"/>
+              <a:t>koristimo</a:t>
+            </a:r>
+            <a:r>
+              <a:rPr lang="en-US" dirty="0"/>
+              <a:t> </a:t>
+            </a:r>
+            <a:r>
+              <a:rPr lang="en-US" dirty="0" err="1"/>
+              <a:t>isti</a:t>
+            </a:r>
+            <a:r>
+              <a:rPr lang="en-US" dirty="0"/>
+              <a:t> request pipeline, dependency injection </a:t>
+            </a:r>
+            <a:r>
+              <a:rPr lang="en-US" dirty="0" err="1"/>
+              <a:t>i</a:t>
+            </a:r>
+            <a:r>
+              <a:rPr lang="en-US" dirty="0"/>
+              <a:t> middleware.”</a:t>
+            </a:r>
           </a:p>
         </p:txBody>
       </p:sp>
@@ -1005,7 +1430,7 @@
           <a:p>
             <a:fld id="{C6B3AB32-59DF-41F1-9618-EDFBF5049629}" type="slidenum">
               <a:rPr lang="en-US" smtClean="0"/>
-              <a:t>8</a:t>
+              <a:t>3</a:t>
             </a:fld>
             <a:endParaRPr lang="en-US" dirty="0"/>
           </a:p>
@@ -1014,7 +1439,7 @@
     </p:spTree>
     <p:extLst>
       <p:ext uri="{BB962C8B-B14F-4D97-AF65-F5344CB8AC3E}">
-        <p14:creationId xmlns:p14="http://schemas.microsoft.com/office/powerpoint/2010/main" val="722074450"/>
+        <p14:creationId xmlns:p14="http://schemas.microsoft.com/office/powerpoint/2010/main" val="2609582706"/>
       </p:ext>
     </p:extLst>
   </p:cSld>
@@ -1068,6 +1493,75 @@
           <a:bodyPr/>
           <a:lstStyle/>
           <a:p>
+            <a:r>
+              <a:rPr lang="es-ES" dirty="0" err="1"/>
+              <a:t>Manje</a:t>
+            </a:r>
+            <a:r>
+              <a:rPr lang="es-ES" dirty="0"/>
+              <a:t> </a:t>
+            </a:r>
+            <a:r>
+              <a:rPr lang="es-ES" dirty="0" err="1"/>
+              <a:t>slojeva</a:t>
+            </a:r>
+            <a:r>
+              <a:rPr lang="es-ES" dirty="0"/>
+              <a:t> u </a:t>
+            </a:r>
+            <a:r>
+              <a:rPr lang="es-ES" dirty="0" err="1"/>
+              <a:t>request</a:t>
+            </a:r>
+            <a:r>
+              <a:rPr lang="es-ES" dirty="0"/>
+              <a:t> pipeline-u</a:t>
+            </a:r>
+          </a:p>
+          <a:p>
+            <a:r>
+              <a:rPr lang="en-US" dirty="0"/>
+              <a:t>Nema </a:t>
+            </a:r>
+            <a:r>
+              <a:rPr lang="en-US" dirty="0" err="1"/>
+              <a:t>refleksije</a:t>
+            </a:r>
+            <a:r>
+              <a:rPr lang="en-US" dirty="0"/>
+              <a:t> </a:t>
+            </a:r>
+            <a:r>
+              <a:rPr lang="en-US" dirty="0" err="1"/>
+              <a:t>nad</a:t>
+            </a:r>
+            <a:r>
+              <a:rPr lang="en-US" dirty="0"/>
+              <a:t> Controller </a:t>
+            </a:r>
+            <a:r>
+              <a:rPr lang="en-US" dirty="0" err="1"/>
+              <a:t>klasama</a:t>
+            </a:r>
+            <a:endParaRPr lang="en-US" dirty="0"/>
+          </a:p>
+          <a:p>
+            <a:r>
+              <a:rPr lang="en-US" dirty="0"/>
+              <a:t>Manje </a:t>
+            </a:r>
+            <a:r>
+              <a:rPr lang="en-US" dirty="0" err="1"/>
+              <a:t>alokacija</a:t>
+            </a:r>
+            <a:r>
+              <a:rPr lang="en-US" dirty="0"/>
+              <a:t> </a:t>
+            </a:r>
+            <a:r>
+              <a:rPr lang="en-US" dirty="0" err="1"/>
+              <a:t>memorije</a:t>
+            </a:r>
             <a:endParaRPr lang="en-US" dirty="0"/>
           </a:p>
         </p:txBody>
@@ -1089,7 +1583,7 @@
           <a:p>
             <a:fld id="{C6B3AB32-59DF-41F1-9618-EDFBF5049629}" type="slidenum">
               <a:rPr lang="en-US" smtClean="0"/>
-              <a:t>9</a:t>
+              <a:t>5</a:t>
             </a:fld>
             <a:endParaRPr lang="en-US" dirty="0"/>
           </a:p>
@@ -1098,7 +1592,7 @@
     </p:spTree>
     <p:extLst>
       <p:ext uri="{BB962C8B-B14F-4D97-AF65-F5344CB8AC3E}">
-        <p14:creationId xmlns:p14="http://schemas.microsoft.com/office/powerpoint/2010/main" val="2750846750"/>
+        <p14:creationId xmlns:p14="http://schemas.microsoft.com/office/powerpoint/2010/main" val="4152691365"/>
       </p:ext>
     </p:extLst>
   </p:cSld>
@@ -1173,7 +1667,331 @@
           <a:p>
             <a:fld id="{C6B3AB32-59DF-41F1-9618-EDFBF5049629}" type="slidenum">
               <a:rPr lang="en-US" smtClean="0"/>
-              <a:t>15</a:t>
+              <a:t>9</a:t>
+            </a:fld>
+            <a:endParaRPr lang="en-US" dirty="0"/>
+          </a:p>
+        </p:txBody>
+      </p:sp>
+    </p:spTree>
+    <p:extLst>
+      <p:ext uri="{BB962C8B-B14F-4D97-AF65-F5344CB8AC3E}">
+        <p14:creationId xmlns:p14="http://schemas.microsoft.com/office/powerpoint/2010/main" val="722074450"/>
+      </p:ext>
+    </p:extLst>
+  </p:cSld>
+  <p:clrMapOvr>
+    <a:masterClrMapping/>
+  </p:clrMapOvr>
+</p:notes>
+</file>
+
+<file path=ppt/notesSlides/notesSlide6.xml><?xml version="1.0" encoding="utf-8"?>
+<p:notes xmlns:a="http://schemas.openxmlformats.org/drawingml/2006/main" xmlns:r="http://schemas.openxmlformats.org/officeDocument/2006/relationships" xmlns:p="http://schemas.openxmlformats.org/presentationml/2006/main">
+  <p:cSld>
+    <p:spTree>
+      <p:nvGrpSpPr>
+        <p:cNvPr id="1" name=""/>
+        <p:cNvGrpSpPr/>
+        <p:nvPr/>
+      </p:nvGrpSpPr>
+      <p:grpSpPr>
+        <a:xfrm>
+          <a:off x="0" y="0"/>
+          <a:ext cx="0" cy="0"/>
+          <a:chOff x="0" y="0"/>
+          <a:chExt cx="0" cy="0"/>
+        </a:xfrm>
+      </p:grpSpPr>
+      <p:sp>
+        <p:nvSpPr>
+          <p:cNvPr id="2" name="Slide Image Placeholder 1"/>
+          <p:cNvSpPr>
+            <a:spLocks noGrp="1" noRot="1" noChangeAspect="1"/>
+          </p:cNvSpPr>
+          <p:nvPr>
+            <p:ph type="sldImg"/>
+          </p:nvPr>
+        </p:nvSpPr>
+        <p:spPr/>
+      </p:sp>
+      <p:sp>
+        <p:nvSpPr>
+          <p:cNvPr id="3" name="Notes Placeholder 2"/>
+          <p:cNvSpPr>
+            <a:spLocks noGrp="1"/>
+          </p:cNvSpPr>
+          <p:nvPr>
+            <p:ph type="body" idx="1"/>
+          </p:nvPr>
+        </p:nvSpPr>
+        <p:spPr/>
+        <p:txBody>
+          <a:bodyPr/>
+          <a:lstStyle/>
+          <a:p>
+            <a:endParaRPr lang="en-US" dirty="0"/>
+          </a:p>
+        </p:txBody>
+      </p:sp>
+      <p:sp>
+        <p:nvSpPr>
+          <p:cNvPr id="4" name="Slide Number Placeholder 3"/>
+          <p:cNvSpPr>
+            <a:spLocks noGrp="1"/>
+          </p:cNvSpPr>
+          <p:nvPr>
+            <p:ph type="sldNum" sz="quarter" idx="5"/>
+          </p:nvPr>
+        </p:nvSpPr>
+        <p:spPr/>
+        <p:txBody>
+          <a:bodyPr/>
+          <a:lstStyle/>
+          <a:p>
+            <a:fld id="{C6B3AB32-59DF-41F1-9618-EDFBF5049629}" type="slidenum">
+              <a:rPr lang="en-US" smtClean="0"/>
+              <a:t>10</a:t>
+            </a:fld>
+            <a:endParaRPr lang="en-US" dirty="0"/>
+          </a:p>
+        </p:txBody>
+      </p:sp>
+    </p:spTree>
+    <p:extLst>
+      <p:ext uri="{BB962C8B-B14F-4D97-AF65-F5344CB8AC3E}">
+        <p14:creationId xmlns:p14="http://schemas.microsoft.com/office/powerpoint/2010/main" val="2750846750"/>
+      </p:ext>
+    </p:extLst>
+  </p:cSld>
+  <p:clrMapOvr>
+    <a:masterClrMapping/>
+  </p:clrMapOvr>
+</p:notes>
+</file>
+
+<file path=ppt/notesSlides/notesSlide7.xml><?xml version="1.0" encoding="utf-8"?>
+<p:notes xmlns:a="http://schemas.openxmlformats.org/drawingml/2006/main" xmlns:r="http://schemas.openxmlformats.org/officeDocument/2006/relationships" xmlns:p="http://schemas.openxmlformats.org/presentationml/2006/main">
+  <p:cSld>
+    <p:spTree>
+      <p:nvGrpSpPr>
+        <p:cNvPr id="1" name=""/>
+        <p:cNvGrpSpPr/>
+        <p:nvPr/>
+      </p:nvGrpSpPr>
+      <p:grpSpPr>
+        <a:xfrm>
+          <a:off x="0" y="0"/>
+          <a:ext cx="0" cy="0"/>
+          <a:chOff x="0" y="0"/>
+          <a:chExt cx="0" cy="0"/>
+        </a:xfrm>
+      </p:grpSpPr>
+      <p:sp>
+        <p:nvSpPr>
+          <p:cNvPr id="2" name="Slide Image Placeholder 1"/>
+          <p:cNvSpPr>
+            <a:spLocks noGrp="1" noRot="1" noChangeAspect="1"/>
+          </p:cNvSpPr>
+          <p:nvPr>
+            <p:ph type="sldImg"/>
+          </p:nvPr>
+        </p:nvSpPr>
+        <p:spPr/>
+      </p:sp>
+      <p:sp>
+        <p:nvSpPr>
+          <p:cNvPr id="3" name="Notes Placeholder 2"/>
+          <p:cNvSpPr>
+            <a:spLocks noGrp="1"/>
+          </p:cNvSpPr>
+          <p:nvPr>
+            <p:ph type="body" idx="1"/>
+          </p:nvPr>
+        </p:nvSpPr>
+        <p:spPr/>
+        <p:txBody>
+          <a:bodyPr/>
+          <a:lstStyle/>
+          <a:p>
+            <a:r>
+              <a:rPr lang="en-US" dirty="0"/>
+              <a:t>Minimal APIs </a:t>
+            </a:r>
+            <a:r>
+              <a:rPr lang="en-US" dirty="0" err="1"/>
+              <a:t>omogućavaju</a:t>
+            </a:r>
+            <a:r>
+              <a:rPr lang="en-US" dirty="0"/>
+              <a:t> dependency injection </a:t>
+            </a:r>
+            <a:r>
+              <a:rPr lang="en-US" dirty="0" err="1"/>
+              <a:t>direktno</a:t>
+            </a:r>
+            <a:r>
+              <a:rPr lang="en-US" dirty="0"/>
+              <a:t> </a:t>
+            </a:r>
+            <a:r>
+              <a:rPr lang="en-US" dirty="0" err="1"/>
+              <a:t>kroz</a:t>
+            </a:r>
+            <a:r>
+              <a:rPr lang="en-US" dirty="0"/>
+              <a:t> </a:t>
+            </a:r>
+            <a:r>
+              <a:rPr lang="en-US" dirty="0" err="1"/>
+              <a:t>parametre</a:t>
+            </a:r>
+            <a:r>
+              <a:rPr lang="en-US" dirty="0"/>
+              <a:t> </a:t>
+            </a:r>
+            <a:r>
+              <a:rPr lang="en-US" dirty="0" err="1"/>
+              <a:t>endpointa</a:t>
+            </a:r>
+            <a:r>
+              <a:rPr lang="en-US" dirty="0"/>
+              <a:t>, bez </a:t>
+            </a:r>
+            <a:r>
+              <a:rPr lang="en-US" dirty="0" err="1"/>
+              <a:t>potrebe</a:t>
+            </a:r>
+            <a:r>
+              <a:rPr lang="en-US" dirty="0"/>
+              <a:t> za controller </a:t>
+            </a:r>
+            <a:r>
+              <a:rPr lang="en-US" dirty="0" err="1"/>
+              <a:t>klasama</a:t>
+            </a:r>
+            <a:r>
+              <a:rPr lang="en-US" dirty="0"/>
+              <a:t> </a:t>
+            </a:r>
+            <a:r>
+              <a:rPr lang="en-US" dirty="0" err="1"/>
+              <a:t>i</a:t>
+            </a:r>
+            <a:r>
+              <a:rPr lang="en-US" dirty="0"/>
+              <a:t> </a:t>
+            </a:r>
+            <a:r>
+              <a:rPr lang="en-US" dirty="0" err="1"/>
+              <a:t>konstruktorima</a:t>
+            </a:r>
+            <a:endParaRPr lang="en-US" dirty="0"/>
+          </a:p>
+        </p:txBody>
+      </p:sp>
+      <p:sp>
+        <p:nvSpPr>
+          <p:cNvPr id="4" name="Slide Number Placeholder 3"/>
+          <p:cNvSpPr>
+            <a:spLocks noGrp="1"/>
+          </p:cNvSpPr>
+          <p:nvPr>
+            <p:ph type="sldNum" sz="quarter" idx="5"/>
+          </p:nvPr>
+        </p:nvSpPr>
+        <p:spPr/>
+        <p:txBody>
+          <a:bodyPr/>
+          <a:lstStyle/>
+          <a:p>
+            <a:fld id="{C6B3AB32-59DF-41F1-9618-EDFBF5049629}" type="slidenum">
+              <a:rPr lang="en-US" smtClean="0"/>
+              <a:t>11</a:t>
+            </a:fld>
+            <a:endParaRPr lang="en-US" dirty="0"/>
+          </a:p>
+        </p:txBody>
+      </p:sp>
+    </p:spTree>
+    <p:extLst>
+      <p:ext uri="{BB962C8B-B14F-4D97-AF65-F5344CB8AC3E}">
+        <p14:creationId xmlns:p14="http://schemas.microsoft.com/office/powerpoint/2010/main" val="3737866655"/>
+      </p:ext>
+    </p:extLst>
+  </p:cSld>
+  <p:clrMapOvr>
+    <a:masterClrMapping/>
+  </p:clrMapOvr>
+</p:notes>
+</file>
+
+<file path=ppt/notesSlides/notesSlide8.xml><?xml version="1.0" encoding="utf-8"?>
+<p:notes xmlns:a="http://schemas.openxmlformats.org/drawingml/2006/main" xmlns:r="http://schemas.openxmlformats.org/officeDocument/2006/relationships" xmlns:p="http://schemas.openxmlformats.org/presentationml/2006/main">
+  <p:cSld>
+    <p:spTree>
+      <p:nvGrpSpPr>
+        <p:cNvPr id="1" name=""/>
+        <p:cNvGrpSpPr/>
+        <p:nvPr/>
+      </p:nvGrpSpPr>
+      <p:grpSpPr>
+        <a:xfrm>
+          <a:off x="0" y="0"/>
+          <a:ext cx="0" cy="0"/>
+          <a:chOff x="0" y="0"/>
+          <a:chExt cx="0" cy="0"/>
+        </a:xfrm>
+      </p:grpSpPr>
+      <p:sp>
+        <p:nvSpPr>
+          <p:cNvPr id="2" name="Slide Image Placeholder 1"/>
+          <p:cNvSpPr>
+            <a:spLocks noGrp="1" noRot="1" noChangeAspect="1"/>
+          </p:cNvSpPr>
+          <p:nvPr>
+            <p:ph type="sldImg"/>
+          </p:nvPr>
+        </p:nvSpPr>
+        <p:spPr/>
+      </p:sp>
+      <p:sp>
+        <p:nvSpPr>
+          <p:cNvPr id="3" name="Notes Placeholder 2"/>
+          <p:cNvSpPr>
+            <a:spLocks noGrp="1"/>
+          </p:cNvSpPr>
+          <p:nvPr>
+            <p:ph type="body" idx="1"/>
+          </p:nvPr>
+        </p:nvSpPr>
+        <p:spPr/>
+        <p:txBody>
+          <a:bodyPr/>
+          <a:lstStyle/>
+          <a:p>
+            <a:endParaRPr lang="en-US" dirty="0"/>
+          </a:p>
+        </p:txBody>
+      </p:sp>
+      <p:sp>
+        <p:nvSpPr>
+          <p:cNvPr id="4" name="Slide Number Placeholder 3"/>
+          <p:cNvSpPr>
+            <a:spLocks noGrp="1"/>
+          </p:cNvSpPr>
+          <p:nvPr>
+            <p:ph type="sldNum" sz="quarter" idx="5"/>
+          </p:nvPr>
+        </p:nvSpPr>
+        <p:spPr/>
+        <p:txBody>
+          <a:bodyPr/>
+          <a:lstStyle/>
+          <a:p>
+            <a:fld id="{C6B3AB32-59DF-41F1-9618-EDFBF5049629}" type="slidenum">
+              <a:rPr lang="en-US" smtClean="0"/>
+              <a:t>18</a:t>
             </a:fld>
             <a:endParaRPr lang="en-US" dirty="0"/>
           </a:p>
@@ -1445,7 +2263,7 @@
             <a:fld id="{B61BEF0D-F0BB-DE4B-95CE-6DB70DBA9567}" type="datetimeFigureOut">
               <a:rPr lang="en-US" smtClean="0"/>
               <a:pPr/>
-              <a:t>2/8/2026</a:t>
+              <a:t>2/9/2026</a:t>
             </a:fld>
             <a:endParaRPr lang="en-US" dirty="0"/>
           </a:p>
@@ -1709,7 +2527,7 @@
             <a:fld id="{B61BEF0D-F0BB-DE4B-95CE-6DB70DBA9567}" type="datetimeFigureOut">
               <a:rPr lang="en-US" smtClean="0"/>
               <a:pPr/>
-              <a:t>2/8/2026</a:t>
+              <a:t>2/9/2026</a:t>
             </a:fld>
             <a:endParaRPr lang="en-US" dirty="0"/>
           </a:p>
@@ -1946,7 +2764,7 @@
             <a:fld id="{B61BEF0D-F0BB-DE4B-95CE-6DB70DBA9567}" type="datetimeFigureOut">
               <a:rPr lang="en-US" smtClean="0"/>
               <a:pPr/>
-              <a:t>2/8/2026</a:t>
+              <a:t>2/9/2026</a:t>
             </a:fld>
             <a:endParaRPr lang="en-US" dirty="0"/>
           </a:p>
@@ -2195,7 +3013,7 @@
             <a:fld id="{B61BEF0D-F0BB-DE4B-95CE-6DB70DBA9567}" type="datetimeFigureOut">
               <a:rPr lang="en-US" smtClean="0"/>
               <a:pPr/>
-              <a:t>2/8/2026</a:t>
+              <a:t>2/9/2026</a:t>
             </a:fld>
             <a:endParaRPr lang="en-US" dirty="0"/>
           </a:p>
@@ -2504,7 +3322,7 @@
             <a:fld id="{B61BEF0D-F0BB-DE4B-95CE-6DB70DBA9567}" type="datetimeFigureOut">
               <a:rPr lang="en-US" smtClean="0"/>
               <a:pPr/>
-              <a:t>2/8/2026</a:t>
+              <a:t>2/9/2026</a:t>
             </a:fld>
             <a:endParaRPr lang="en-US" dirty="0"/>
           </a:p>
@@ -2815,7 +3633,7 @@
             <a:fld id="{B61BEF0D-F0BB-DE4B-95CE-6DB70DBA9567}" type="datetimeFigureOut">
               <a:rPr lang="en-US" smtClean="0"/>
               <a:pPr/>
-              <a:t>2/8/2026</a:t>
+              <a:t>2/9/2026</a:t>
             </a:fld>
             <a:endParaRPr lang="en-US" dirty="0"/>
           </a:p>
@@ -3239,7 +4057,7 @@
             <a:fld id="{B61BEF0D-F0BB-DE4B-95CE-6DB70DBA9567}" type="datetimeFigureOut">
               <a:rPr lang="en-US" smtClean="0"/>
               <a:pPr/>
-              <a:t>2/8/2026</a:t>
+              <a:t>2/9/2026</a:t>
             </a:fld>
             <a:endParaRPr lang="en-US" dirty="0"/>
           </a:p>
@@ -3336,7 +4154,7 @@
             <a:fld id="{B61BEF0D-F0BB-DE4B-95CE-6DB70DBA9567}" type="datetimeFigureOut">
               <a:rPr lang="en-US" smtClean="0"/>
               <a:pPr/>
-              <a:t>2/8/2026</a:t>
+              <a:t>2/9/2026</a:t>
             </a:fld>
             <a:endParaRPr lang="en-US" dirty="0"/>
           </a:p>
@@ -3423,6 +4241,13 @@
             <a:schemeClr val="lt1"/>
           </a:fontRef>
         </p:style>
+        <p:txBody>
+          <a:bodyPr/>
+          <a:lstStyle/>
+          <a:p>
+            <a:endParaRPr lang="en-US"/>
+          </a:p>
+        </p:txBody>
       </p:sp>
       <p:sp>
         <p:nvSpPr>
@@ -3500,7 +4325,7 @@
             <a:fld id="{B61BEF0D-F0BB-DE4B-95CE-6DB70DBA9567}" type="datetimeFigureOut">
               <a:rPr lang="en-US" smtClean="0"/>
               <a:pPr/>
-              <a:t>2/8/2026</a:t>
+              <a:t>2/9/2026</a:t>
             </a:fld>
             <a:endParaRPr lang="en-US" dirty="0"/>
           </a:p>
@@ -3880,7 +4705,7 @@
             <a:fld id="{B61BEF0D-F0BB-DE4B-95CE-6DB70DBA9567}" type="datetimeFigureOut">
               <a:rPr lang="en-US" smtClean="0"/>
               <a:pPr/>
-              <a:t>2/8/2026</a:t>
+              <a:t>2/9/2026</a:t>
             </a:fld>
             <a:endParaRPr lang="en-US" dirty="0"/>
           </a:p>
@@ -4171,7 +4996,7 @@
             <a:fld id="{B61BEF0D-F0BB-DE4B-95CE-6DB70DBA9567}" type="datetimeFigureOut">
               <a:rPr lang="en-US" smtClean="0"/>
               <a:pPr/>
-              <a:t>2/8/2026</a:t>
+              <a:t>2/9/2026</a:t>
             </a:fld>
             <a:endParaRPr lang="en-US" dirty="0"/>
           </a:p>
@@ -4384,7 +5209,7 @@
             <a:fld id="{B61BEF0D-F0BB-DE4B-95CE-6DB70DBA9567}" type="datetimeFigureOut">
               <a:rPr lang="en-US" smtClean="0"/>
               <a:pPr/>
-              <a:t>2/8/2026</a:t>
+              <a:t>2/9/2026</a:t>
             </a:fld>
             <a:endParaRPr lang="en-US" dirty="0"/>
           </a:p>
@@ -5579,7 +6404,7 @@
           <p:cNvPr id="2" name="Title 1">
             <a:extLst>
               <a:ext uri="{FF2B5EF4-FFF2-40B4-BE49-F238E27FC236}">
-                <a16:creationId xmlns:a16="http://schemas.microsoft.com/office/drawing/2014/main" id="{59440C83-F4A4-8452-FC60-0657B5A059DB}"/>
+                <a16:creationId xmlns:a16="http://schemas.microsoft.com/office/drawing/2014/main" id="{32AE807E-B44F-123C-762D-B757F1B8E284}"/>
               </a:ext>
             </a:extLst>
           </p:cNvPr>
@@ -5599,18 +6424,9 @@
           <a:p>
             <a:pPr algn="ctr"/>
             <a:r>
-              <a:rPr lang="en-US" sz="4400" dirty="0" err="1"/>
-              <a:t>Povratne</a:t>
-            </a:r>
-            <a:r>
               <a:rPr lang="en-US" sz="4400" dirty="0"/>
-              <a:t> </a:t>
-            </a:r>
-            <a:r>
-              <a:rPr lang="en-US" sz="4400" dirty="0" err="1"/>
-              <a:t>vrednosti</a:t>
-            </a:r>
-            <a:endParaRPr lang="en-US" sz="4400" dirty="0"/>
+              <a:t>Model Binding</a:t>
+            </a:r>
           </a:p>
         </p:txBody>
       </p:sp>
@@ -5619,7 +6435,7 @@
           <p:cNvPr id="3" name="Content Placeholder 2">
             <a:extLst>
               <a:ext uri="{FF2B5EF4-FFF2-40B4-BE49-F238E27FC236}">
-                <a16:creationId xmlns:a16="http://schemas.microsoft.com/office/drawing/2014/main" id="{A50757D7-A542-C01B-BAE6-14C5B0596FBC}"/>
+                <a16:creationId xmlns:a16="http://schemas.microsoft.com/office/drawing/2014/main" id="{CE91C00D-3D0A-D5D4-D63D-1A958B4AE940}"/>
               </a:ext>
             </a:extLst>
           </p:cNvPr>
@@ -5632,9 +6448,7 @@
         </p:nvSpPr>
         <p:spPr/>
         <p:txBody>
-          <a:bodyPr>
-            <a:normAutofit/>
-          </a:bodyPr>
+          <a:bodyPr/>
           <a:lstStyle/>
           <a:p>
             <a:pPr marL="0" indent="0">
@@ -5642,64 +6456,124 @@
             </a:pPr>
             <a:r>
               <a:rPr lang="en-US" sz="2400" dirty="0" err="1"/>
-              <a:t>Klasa</a:t>
+              <a:t>Automatsko</a:t>
             </a:r>
             <a:r>
               <a:rPr lang="en-US" sz="2400" dirty="0"/>
-              <a:t> Results d</a:t>
-            </a:r>
-            <a:r>
-              <a:rPr lang="pl-PL" sz="2400" dirty="0"/>
-              <a:t>aje potpunu kontrolu nad HTTP odgovorima.</a:t>
+              <a:t> </a:t>
+            </a:r>
+            <a:r>
+              <a:rPr lang="en-US" sz="2400" dirty="0" err="1"/>
+              <a:t>vezivanje</a:t>
+            </a:r>
+            <a:r>
+              <a:rPr lang="en-US" sz="2400" dirty="0"/>
+              <a:t> </a:t>
+            </a:r>
+            <a:r>
+              <a:rPr lang="en-US" sz="2400" dirty="0" err="1"/>
+              <a:t>podataka</a:t>
             </a:r>
             <a:endParaRPr lang="en-US" sz="2400" dirty="0"/>
           </a:p>
           <a:p>
+            <a:pPr marL="0" indent="0">
+              <a:buNone/>
+            </a:pPr>
+            <a:r>
+              <a:rPr lang="en-US" sz="2400" dirty="0"/>
+              <a:t>Minimal APIs </a:t>
+            </a:r>
             <a:r>
               <a:rPr lang="en-US" sz="2400" dirty="0" err="1"/>
-              <a:t>Results.Ok</a:t>
+              <a:t>podržavaju</a:t>
             </a:r>
             <a:r>
               <a:rPr lang="en-US" sz="2400" dirty="0"/>
-              <a:t>()</a:t>
-            </a:r>
-          </a:p>
-          <a:p>
+              <a:t>:</a:t>
+            </a:r>
+          </a:p>
+          <a:p>
+            <a:r>
+              <a:rPr lang="en-US" sz="2400" dirty="0"/>
+              <a:t>Route </a:t>
+            </a:r>
             <a:r>
               <a:rPr lang="en-US" sz="2400" dirty="0" err="1"/>
-              <a:t>Results.NotFound</a:t>
-            </a:r>
+              <a:t>parametre</a:t>
+            </a:r>
+            <a:endParaRPr lang="en-US" sz="2400" dirty="0"/>
+          </a:p>
+          <a:p>
             <a:r>
               <a:rPr lang="en-US" sz="2400" dirty="0"/>
-              <a:t>()</a:t>
-            </a:r>
-          </a:p>
-          <a:p>
+              <a:t>Query </a:t>
+            </a:r>
             <a:r>
               <a:rPr lang="en-US" sz="2400" dirty="0" err="1"/>
-              <a:t>Results.BadRequest</a:t>
-            </a:r>
+              <a:t>parametre</a:t>
+            </a:r>
+            <a:endParaRPr lang="en-US" sz="2400" dirty="0"/>
+          </a:p>
+          <a:p>
             <a:r>
               <a:rPr lang="en-US" sz="2400" dirty="0"/>
-              <a:t>()</a:t>
-            </a:r>
-          </a:p>
-          <a:p>
+              <a:t>Body </a:t>
+            </a:r>
             <a:r>
               <a:rPr lang="en-US" sz="2400" dirty="0" err="1"/>
-              <a:t>Results.Redirect</a:t>
-            </a:r>
+              <a:t>objekte</a:t>
+            </a:r>
+            <a:endParaRPr lang="en-US" sz="2400" dirty="0"/>
+          </a:p>
+          <a:p>
             <a:r>
               <a:rPr lang="en-US" sz="2400" dirty="0"/>
-              <a:t>()</a:t>
-            </a:r>
-          </a:p>
-        </p:txBody>
-      </p:sp>
+              <a:t>Header-e</a:t>
+            </a:r>
+          </a:p>
+          <a:p>
+            <a:pPr marL="0" indent="0">
+              <a:buNone/>
+            </a:pPr>
+            <a:endParaRPr lang="en-US" dirty="0"/>
+          </a:p>
+        </p:txBody>
+      </p:sp>
+      <p:pic>
+        <p:nvPicPr>
+          <p:cNvPr id="6" name="Picture 5">
+            <a:extLst>
+              <a:ext uri="{FF2B5EF4-FFF2-40B4-BE49-F238E27FC236}">
+                <a16:creationId xmlns:a16="http://schemas.microsoft.com/office/drawing/2014/main" id="{A49B2293-8B18-6703-5334-420946E87DBD}"/>
+              </a:ext>
+            </a:extLst>
+          </p:cNvPr>
+          <p:cNvPicPr>
+            <a:picLocks noChangeAspect="1"/>
+          </p:cNvPicPr>
+          <p:nvPr/>
+        </p:nvPicPr>
+        <p:blipFill>
+          <a:blip r:embed="rId3"/>
+          <a:stretch>
+            <a:fillRect/>
+          </a:stretch>
+        </p:blipFill>
+        <p:spPr>
+          <a:xfrm>
+            <a:off x="7416800" y="1868356"/>
+            <a:ext cx="3078480" cy="4617720"/>
+          </a:xfrm>
+          <a:prstGeom prst="rect">
+            <a:avLst/>
+          </a:prstGeom>
+        </p:spPr>
+      </p:pic>
     </p:spTree>
     <p:extLst>
       <p:ext uri="{BB962C8B-B14F-4D97-AF65-F5344CB8AC3E}">
-        <p14:creationId xmlns:p14="http://schemas.microsoft.com/office/powerpoint/2010/main" val="687870437"/>
+        <p14:creationId xmlns:p14="http://schemas.microsoft.com/office/powerpoint/2010/main" val="1859412917"/>
       </p:ext>
     </p:extLst>
   </p:cSld>
@@ -5731,6 +6605,1119 @@
           <p:cNvPr id="2" name="Title 1">
             <a:extLst>
               <a:ext uri="{FF2B5EF4-FFF2-40B4-BE49-F238E27FC236}">
+                <a16:creationId xmlns:a16="http://schemas.microsoft.com/office/drawing/2014/main" id="{8FB9AD09-2E66-E846-8BEB-E6B58A04FE42}"/>
+              </a:ext>
+            </a:extLst>
+          </p:cNvPr>
+          <p:cNvSpPr>
+            <a:spLocks noGrp="1"/>
+          </p:cNvSpPr>
+          <p:nvPr>
+            <p:ph type="title"/>
+          </p:nvPr>
+        </p:nvSpPr>
+        <p:spPr/>
+        <p:txBody>
+          <a:bodyPr>
+            <a:normAutofit/>
+          </a:bodyPr>
+          <a:lstStyle/>
+          <a:p>
+            <a:r>
+              <a:rPr lang="en-US" sz="4400" dirty="0"/>
+              <a:t>Dependency Injection u Minimal APIs</a:t>
+            </a:r>
+          </a:p>
+        </p:txBody>
+      </p:sp>
+      <p:sp>
+        <p:nvSpPr>
+          <p:cNvPr id="3" name="TextBox 2">
+            <a:extLst>
+              <a:ext uri="{FF2B5EF4-FFF2-40B4-BE49-F238E27FC236}">
+                <a16:creationId xmlns:a16="http://schemas.microsoft.com/office/drawing/2014/main" id="{BF1BFAD1-A17A-80F6-0C33-20481F34FDA7}"/>
+              </a:ext>
+            </a:extLst>
+          </p:cNvPr>
+          <p:cNvSpPr txBox="1"/>
+          <p:nvPr/>
+        </p:nvSpPr>
+        <p:spPr>
+          <a:xfrm>
+            <a:off x="438734" y="2194560"/>
+            <a:ext cx="5806440" cy="2677656"/>
+          </a:xfrm>
+          <a:prstGeom prst="rect">
+            <a:avLst/>
+          </a:prstGeom>
+          <a:noFill/>
+        </p:spPr>
+        <p:txBody>
+          <a:bodyPr wrap="square" rtlCol="0">
+            <a:spAutoFit/>
+          </a:bodyPr>
+          <a:lstStyle/>
+          <a:p>
+            <a:pPr marL="285750" indent="-285750">
+              <a:buFont typeface="Arial" panose="020B0604020202020204" pitchFamily="34" charset="0"/>
+              <a:buChar char="•"/>
+            </a:pPr>
+            <a:r>
+              <a:rPr lang="en-US" sz="2400" b="1" dirty="0"/>
+              <a:t>DI </a:t>
+            </a:r>
+            <a:r>
+              <a:rPr lang="en-US" sz="2400" b="1" dirty="0" err="1"/>
+              <a:t>Kontejner</a:t>
+            </a:r>
+            <a:endParaRPr lang="en-US" sz="2400" b="1" dirty="0"/>
+          </a:p>
+          <a:p>
+            <a:pPr marL="285750" indent="-285750">
+              <a:buFont typeface="Arial" panose="020B0604020202020204" pitchFamily="34" charset="0"/>
+              <a:buChar char="•"/>
+            </a:pPr>
+            <a:r>
+              <a:rPr lang="en-US" sz="2400" dirty="0" err="1"/>
+              <a:t>Dodavanje</a:t>
+            </a:r>
+            <a:r>
+              <a:rPr lang="en-US" sz="2400" dirty="0"/>
+              <a:t> u </a:t>
+            </a:r>
+            <a:r>
+              <a:rPr lang="en-US" sz="2400" dirty="0" err="1"/>
+              <a:t>kontejner</a:t>
+            </a:r>
+            <a:r>
+              <a:rPr lang="en-US" sz="2400" dirty="0"/>
+              <a:t> </a:t>
+            </a:r>
+            <a:r>
+              <a:rPr lang="en-US" sz="2400" dirty="0" err="1"/>
+              <a:t>uz</a:t>
+            </a:r>
+            <a:r>
+              <a:rPr lang="en-US" sz="2400" dirty="0"/>
+              <a:t> </a:t>
+            </a:r>
+            <a:r>
+              <a:rPr lang="en-US" sz="2400" dirty="0" err="1"/>
+              <a:t>pomoc</a:t>
+            </a:r>
+            <a:r>
+              <a:rPr lang="en-US" sz="2400" dirty="0"/>
+              <a:t> </a:t>
+            </a:r>
+          </a:p>
+          <a:p>
+            <a:pPr marL="742950" lvl="1" indent="-285750">
+              <a:buFont typeface="Arial" panose="020B0604020202020204" pitchFamily="34" charset="0"/>
+              <a:buChar char="•"/>
+            </a:pPr>
+            <a:r>
+              <a:rPr lang="en-US" sz="2400" dirty="0" err="1"/>
+              <a:t>AddScoped</a:t>
+            </a:r>
+            <a:endParaRPr lang="en-US" sz="2400" dirty="0"/>
+          </a:p>
+          <a:p>
+            <a:pPr marL="742950" lvl="1" indent="-285750">
+              <a:buFont typeface="Arial" panose="020B0604020202020204" pitchFamily="34" charset="0"/>
+              <a:buChar char="•"/>
+            </a:pPr>
+            <a:r>
+              <a:rPr lang="en-US" sz="2400" dirty="0" err="1"/>
+              <a:t>AddTransient</a:t>
+            </a:r>
+            <a:endParaRPr lang="en-US" sz="2400" dirty="0"/>
+          </a:p>
+          <a:p>
+            <a:pPr marL="742950" lvl="1" indent="-285750">
+              <a:buFont typeface="Arial" panose="020B0604020202020204" pitchFamily="34" charset="0"/>
+              <a:buChar char="•"/>
+            </a:pPr>
+            <a:r>
+              <a:rPr lang="en-US" sz="2400" dirty="0" err="1"/>
+              <a:t>AddSingleton</a:t>
+            </a:r>
+            <a:endParaRPr lang="en-US" sz="2400" dirty="0"/>
+          </a:p>
+          <a:p>
+            <a:pPr lvl="1"/>
+            <a:endParaRPr lang="en-US" sz="2400" dirty="0"/>
+          </a:p>
+          <a:p>
+            <a:pPr lvl="1"/>
+            <a:endParaRPr lang="en-US" sz="2400" dirty="0"/>
+          </a:p>
+        </p:txBody>
+      </p:sp>
+      <p:sp>
+        <p:nvSpPr>
+          <p:cNvPr id="4" name="TextBox 3">
+            <a:extLst>
+              <a:ext uri="{FF2B5EF4-FFF2-40B4-BE49-F238E27FC236}">
+                <a16:creationId xmlns:a16="http://schemas.microsoft.com/office/drawing/2014/main" id="{0E04622A-5B11-7843-BD87-04473DD06F7D}"/>
+              </a:ext>
+            </a:extLst>
+          </p:cNvPr>
+          <p:cNvSpPr txBox="1"/>
+          <p:nvPr/>
+        </p:nvSpPr>
+        <p:spPr>
+          <a:xfrm>
+            <a:off x="5498592" y="3438144"/>
+            <a:ext cx="6693408" cy="1569660"/>
+          </a:xfrm>
+          <a:prstGeom prst="rect">
+            <a:avLst/>
+          </a:prstGeom>
+          <a:noFill/>
+        </p:spPr>
+        <p:txBody>
+          <a:bodyPr wrap="square" rtlCol="0">
+            <a:spAutoFit/>
+          </a:bodyPr>
+          <a:lstStyle/>
+          <a:p>
+            <a:r>
+              <a:rPr lang="en-US" sz="2400" dirty="0" err="1"/>
+              <a:t>app.MapGet</a:t>
+            </a:r>
+            <a:r>
+              <a:rPr lang="en-US" sz="2400" dirty="0"/>
+              <a:t>("/users", (</a:t>
+            </a:r>
+            <a:r>
+              <a:rPr lang="en-US" sz="2400" dirty="0" err="1"/>
+              <a:t>IUserService</a:t>
+            </a:r>
+            <a:r>
+              <a:rPr lang="en-US" sz="2400" dirty="0"/>
+              <a:t> service) =&gt;</a:t>
+            </a:r>
+          </a:p>
+          <a:p>
+            <a:r>
+              <a:rPr lang="en-US" sz="2400" dirty="0"/>
+              <a:t>{</a:t>
+            </a:r>
+          </a:p>
+          <a:p>
+            <a:r>
+              <a:rPr lang="en-US" sz="2400" dirty="0"/>
+              <a:t>    return </a:t>
+            </a:r>
+            <a:r>
+              <a:rPr lang="en-US" sz="2400" dirty="0" err="1"/>
+              <a:t>service.GetAll</a:t>
+            </a:r>
+            <a:r>
+              <a:rPr lang="en-US" sz="2400" dirty="0"/>
+              <a:t>();</a:t>
+            </a:r>
+          </a:p>
+          <a:p>
+            <a:r>
+              <a:rPr lang="en-US" sz="2400" dirty="0"/>
+              <a:t>});</a:t>
+            </a:r>
+          </a:p>
+        </p:txBody>
+      </p:sp>
+      <p:sp>
+        <p:nvSpPr>
+          <p:cNvPr id="5" name="TextBox 4">
+            <a:extLst>
+              <a:ext uri="{FF2B5EF4-FFF2-40B4-BE49-F238E27FC236}">
+                <a16:creationId xmlns:a16="http://schemas.microsoft.com/office/drawing/2014/main" id="{F4588E1E-5838-3B2E-7609-49818448FC9B}"/>
+              </a:ext>
+            </a:extLst>
+          </p:cNvPr>
+          <p:cNvSpPr txBox="1"/>
+          <p:nvPr/>
+        </p:nvSpPr>
+        <p:spPr>
+          <a:xfrm>
+            <a:off x="575894" y="4434840"/>
+            <a:ext cx="4462450" cy="1938992"/>
+          </a:xfrm>
+          <a:prstGeom prst="rect">
+            <a:avLst/>
+          </a:prstGeom>
+          <a:noFill/>
+        </p:spPr>
+        <p:txBody>
+          <a:bodyPr wrap="square" rtlCol="0">
+            <a:spAutoFit/>
+          </a:bodyPr>
+          <a:lstStyle/>
+          <a:p>
+            <a:r>
+              <a:rPr lang="en-US" sz="2400" b="1" dirty="0" err="1"/>
+              <a:t>Prednosti</a:t>
+            </a:r>
+            <a:endParaRPr lang="en-US" sz="2400" b="1" dirty="0"/>
+          </a:p>
+          <a:p>
+            <a:pPr marL="285750" indent="-285750">
+              <a:buFont typeface="Arial" panose="020B0604020202020204" pitchFamily="34" charset="0"/>
+              <a:buChar char="•"/>
+            </a:pPr>
+            <a:r>
+              <a:rPr lang="en-US" sz="2400" dirty="0"/>
+              <a:t>Manje </a:t>
+            </a:r>
+            <a:r>
+              <a:rPr lang="en-US" sz="2400" dirty="0" err="1"/>
+              <a:t>koda</a:t>
+            </a:r>
+            <a:endParaRPr lang="en-US" sz="2400" dirty="0"/>
+          </a:p>
+          <a:p>
+            <a:pPr marL="285750" indent="-285750">
+              <a:buFont typeface="Arial" panose="020B0604020202020204" pitchFamily="34" charset="0"/>
+              <a:buChar char="•"/>
+            </a:pPr>
+            <a:r>
+              <a:rPr lang="en-US" sz="2400" dirty="0" err="1"/>
+              <a:t>Čitljivost</a:t>
+            </a:r>
+            <a:endParaRPr lang="en-US" sz="2400" dirty="0"/>
+          </a:p>
+          <a:p>
+            <a:pPr marL="285750" indent="-285750">
+              <a:buFont typeface="Arial" panose="020B0604020202020204" pitchFamily="34" charset="0"/>
+              <a:buChar char="•"/>
+            </a:pPr>
+            <a:r>
+              <a:rPr lang="en-US" sz="2400" dirty="0" err="1"/>
+              <a:t>Lakše</a:t>
+            </a:r>
+            <a:r>
+              <a:rPr lang="en-US" sz="2400" dirty="0"/>
+              <a:t> </a:t>
+            </a:r>
+            <a:r>
+              <a:rPr lang="en-US" sz="2400" dirty="0" err="1"/>
+              <a:t>testiranje</a:t>
+            </a:r>
+            <a:endParaRPr lang="en-US" sz="2400" dirty="0"/>
+          </a:p>
+          <a:p>
+            <a:pPr marL="285750" indent="-285750">
+              <a:buFont typeface="Arial" panose="020B0604020202020204" pitchFamily="34" charset="0"/>
+              <a:buChar char="•"/>
+            </a:pPr>
+            <a:endParaRPr lang="en-US" sz="2400" dirty="0"/>
+          </a:p>
+        </p:txBody>
+      </p:sp>
+    </p:spTree>
+    <p:extLst>
+      <p:ext uri="{BB962C8B-B14F-4D97-AF65-F5344CB8AC3E}">
+        <p14:creationId xmlns:p14="http://schemas.microsoft.com/office/powerpoint/2010/main" val="1378888810"/>
+      </p:ext>
+    </p:extLst>
+  </p:cSld>
+  <p:clrMapOvr>
+    <a:masterClrMapping/>
+  </p:clrMapOvr>
+</p:sld>
+</file>
+
+<file path=ppt/slides/slide12.xml><?xml version="1.0" encoding="utf-8"?>
+<p:sld xmlns:a="http://schemas.openxmlformats.org/drawingml/2006/main" xmlns:r="http://schemas.openxmlformats.org/officeDocument/2006/relationships" xmlns:p="http://schemas.openxmlformats.org/presentationml/2006/main">
+  <p:cSld>
+    <p:spTree>
+      <p:nvGrpSpPr>
+        <p:cNvPr id="1" name=""/>
+        <p:cNvGrpSpPr/>
+        <p:nvPr/>
+      </p:nvGrpSpPr>
+      <p:grpSpPr>
+        <a:xfrm>
+          <a:off x="0" y="0"/>
+          <a:ext cx="0" cy="0"/>
+          <a:chOff x="0" y="0"/>
+          <a:chExt cx="0" cy="0"/>
+        </a:xfrm>
+      </p:grpSpPr>
+      <p:sp>
+        <p:nvSpPr>
+          <p:cNvPr id="2" name="Title 1">
+            <a:extLst>
+              <a:ext uri="{FF2B5EF4-FFF2-40B4-BE49-F238E27FC236}">
+                <a16:creationId xmlns:a16="http://schemas.microsoft.com/office/drawing/2014/main" id="{29097B3E-2370-ADCC-C049-1817177BD82C}"/>
+              </a:ext>
+            </a:extLst>
+          </p:cNvPr>
+          <p:cNvSpPr>
+            <a:spLocks noGrp="1"/>
+          </p:cNvSpPr>
+          <p:nvPr>
+            <p:ph type="title"/>
+          </p:nvPr>
+        </p:nvSpPr>
+        <p:spPr/>
+        <p:txBody>
+          <a:bodyPr>
+            <a:normAutofit/>
+          </a:bodyPr>
+          <a:lstStyle/>
+          <a:p>
+            <a:pPr algn="ctr"/>
+            <a:r>
+              <a:rPr lang="en-US" sz="4400" dirty="0"/>
+              <a:t>VALIDATION </a:t>
+            </a:r>
+            <a:r>
+              <a:rPr lang="en-US" sz="4400" dirty="0" err="1"/>
+              <a:t>strategije</a:t>
+            </a:r>
+            <a:endParaRPr lang="en-US" sz="4400" dirty="0"/>
+          </a:p>
+        </p:txBody>
+      </p:sp>
+      <p:sp>
+        <p:nvSpPr>
+          <p:cNvPr id="3" name="TextBox 2">
+            <a:extLst>
+              <a:ext uri="{FF2B5EF4-FFF2-40B4-BE49-F238E27FC236}">
+                <a16:creationId xmlns:a16="http://schemas.microsoft.com/office/drawing/2014/main" id="{9F1E2709-4CB4-5769-8D08-87A6DB9BCD03}"/>
+              </a:ext>
+            </a:extLst>
+          </p:cNvPr>
+          <p:cNvSpPr txBox="1"/>
+          <p:nvPr/>
+        </p:nvSpPr>
+        <p:spPr>
+          <a:xfrm>
+            <a:off x="448056" y="2057400"/>
+            <a:ext cx="11157454" cy="461665"/>
+          </a:xfrm>
+          <a:prstGeom prst="rect">
+            <a:avLst/>
+          </a:prstGeom>
+          <a:noFill/>
+        </p:spPr>
+        <p:txBody>
+          <a:bodyPr wrap="square" rtlCol="0">
+            <a:spAutoFit/>
+          </a:bodyPr>
+          <a:lstStyle/>
+          <a:p>
+            <a:pPr algn="ctr"/>
+            <a:r>
+              <a:rPr lang="en-US" sz="2400" dirty="0"/>
+              <a:t>Nema </a:t>
+            </a:r>
+            <a:r>
+              <a:rPr lang="en-US" sz="2400" dirty="0" err="1"/>
+              <a:t>DataAnnotations</a:t>
+            </a:r>
+            <a:r>
+              <a:rPr lang="en-US" sz="2400" dirty="0"/>
+              <a:t> </a:t>
+            </a:r>
+            <a:r>
+              <a:rPr lang="en-US" sz="2400" dirty="0" err="1"/>
+              <a:t>validacije</a:t>
+            </a:r>
+            <a:r>
+              <a:rPr lang="en-US" sz="2400" dirty="0"/>
+              <a:t> </a:t>
+            </a:r>
+            <a:r>
+              <a:rPr lang="en-US" sz="2400" dirty="0" err="1"/>
+              <a:t>jer</a:t>
+            </a:r>
+            <a:r>
+              <a:rPr lang="en-US" sz="2400" dirty="0"/>
+              <a:t> ne </a:t>
+            </a:r>
+            <a:r>
+              <a:rPr lang="en-US" sz="2400" dirty="0" err="1"/>
+              <a:t>postoje</a:t>
+            </a:r>
+            <a:r>
+              <a:rPr lang="en-US" sz="2400" dirty="0"/>
+              <a:t> </a:t>
+            </a:r>
+            <a:r>
+              <a:rPr lang="en-US" sz="2400" dirty="0" err="1"/>
+              <a:t>kontoleri</a:t>
+            </a:r>
+            <a:r>
+              <a:rPr lang="en-US" sz="2400" dirty="0"/>
+              <a:t>.</a:t>
+            </a:r>
+          </a:p>
+        </p:txBody>
+      </p:sp>
+      <p:sp>
+        <p:nvSpPr>
+          <p:cNvPr id="4" name="TextBox 3">
+            <a:extLst>
+              <a:ext uri="{FF2B5EF4-FFF2-40B4-BE49-F238E27FC236}">
+                <a16:creationId xmlns:a16="http://schemas.microsoft.com/office/drawing/2014/main" id="{2675F9CF-16A5-E911-D7B8-9EA199F7C87E}"/>
+              </a:ext>
+            </a:extLst>
+          </p:cNvPr>
+          <p:cNvSpPr txBox="1"/>
+          <p:nvPr/>
+        </p:nvSpPr>
+        <p:spPr>
+          <a:xfrm>
+            <a:off x="448056" y="3429000"/>
+            <a:ext cx="6391656" cy="2308324"/>
+          </a:xfrm>
+          <a:prstGeom prst="rect">
+            <a:avLst/>
+          </a:prstGeom>
+          <a:noFill/>
+        </p:spPr>
+        <p:txBody>
+          <a:bodyPr wrap="square" rtlCol="0">
+            <a:spAutoFit/>
+          </a:bodyPr>
+          <a:lstStyle/>
+          <a:p>
+            <a:r>
+              <a:rPr lang="en-US" dirty="0" err="1"/>
+              <a:t>app.MapPost</a:t>
+            </a:r>
+            <a:r>
+              <a:rPr lang="en-US" dirty="0"/>
+              <a:t>("/users", (</a:t>
+            </a:r>
+            <a:r>
+              <a:rPr lang="en-US" dirty="0" err="1"/>
+              <a:t>UserDto</a:t>
+            </a:r>
+            <a:r>
+              <a:rPr lang="en-US" dirty="0"/>
+              <a:t> </a:t>
+            </a:r>
+            <a:r>
+              <a:rPr lang="en-US" dirty="0" err="1"/>
+              <a:t>dto</a:t>
+            </a:r>
+            <a:r>
+              <a:rPr lang="en-US" dirty="0"/>
+              <a:t>) =&gt;</a:t>
+            </a:r>
+          </a:p>
+          <a:p>
+            <a:r>
+              <a:rPr lang="en-US" dirty="0"/>
+              <a:t>{</a:t>
+            </a:r>
+          </a:p>
+          <a:p>
+            <a:r>
+              <a:rPr lang="en-US" dirty="0"/>
+              <a:t>    if (</a:t>
+            </a:r>
+            <a:r>
+              <a:rPr lang="en-US" dirty="0" err="1"/>
+              <a:t>string.IsNullOrEmpty</a:t>
+            </a:r>
+            <a:r>
+              <a:rPr lang="en-US" dirty="0"/>
+              <a:t>(</a:t>
+            </a:r>
+            <a:r>
+              <a:rPr lang="en-US" dirty="0" err="1"/>
+              <a:t>dto.Email</a:t>
+            </a:r>
+            <a:r>
+              <a:rPr lang="en-US" dirty="0"/>
+              <a:t>))</a:t>
+            </a:r>
+          </a:p>
+          <a:p>
+            <a:r>
+              <a:rPr lang="en-US" dirty="0"/>
+              <a:t>        return </a:t>
+            </a:r>
+            <a:r>
+              <a:rPr lang="en-US" dirty="0" err="1"/>
+              <a:t>Results.BadRequest</a:t>
+            </a:r>
+            <a:r>
+              <a:rPr lang="en-US" dirty="0"/>
+              <a:t>("Email required");</a:t>
+            </a:r>
+          </a:p>
+          <a:p>
+            <a:endParaRPr lang="en-US" dirty="0"/>
+          </a:p>
+          <a:p>
+            <a:r>
+              <a:rPr lang="en-US" dirty="0"/>
+              <a:t>    return </a:t>
+            </a:r>
+            <a:r>
+              <a:rPr lang="en-US" dirty="0" err="1"/>
+              <a:t>Results.Ok</a:t>
+            </a:r>
+            <a:r>
+              <a:rPr lang="en-US" dirty="0"/>
+              <a:t>();</a:t>
+            </a:r>
+          </a:p>
+          <a:p>
+            <a:r>
+              <a:rPr lang="en-US" dirty="0"/>
+              <a:t>});</a:t>
+            </a:r>
+          </a:p>
+          <a:p>
+            <a:endParaRPr lang="en-US" dirty="0">
+              <a:latin typeface="Times New Roman" panose="02020603050405020304" pitchFamily="18" charset="0"/>
+              <a:cs typeface="Times New Roman" panose="02020603050405020304" pitchFamily="18" charset="0"/>
+            </a:endParaRPr>
+          </a:p>
+        </p:txBody>
+      </p:sp>
+      <p:sp>
+        <p:nvSpPr>
+          <p:cNvPr id="5" name="TextBox 4">
+            <a:extLst>
+              <a:ext uri="{FF2B5EF4-FFF2-40B4-BE49-F238E27FC236}">
+                <a16:creationId xmlns:a16="http://schemas.microsoft.com/office/drawing/2014/main" id="{34E59870-1740-5B42-00AF-F7A3CC35ABBE}"/>
+              </a:ext>
+            </a:extLst>
+          </p:cNvPr>
+          <p:cNvSpPr txBox="1"/>
+          <p:nvPr/>
+        </p:nvSpPr>
+        <p:spPr>
+          <a:xfrm>
+            <a:off x="448056" y="2783373"/>
+            <a:ext cx="3456432" cy="369332"/>
+          </a:xfrm>
+          <a:prstGeom prst="rect">
+            <a:avLst/>
+          </a:prstGeom>
+          <a:noFill/>
+        </p:spPr>
+        <p:txBody>
+          <a:bodyPr wrap="square" rtlCol="0">
+            <a:spAutoFit/>
+          </a:bodyPr>
+          <a:lstStyle/>
+          <a:p>
+            <a:r>
+              <a:rPr lang="en-US" dirty="0">
+                <a:latin typeface="Times New Roman" panose="02020603050405020304" pitchFamily="18" charset="0"/>
+                <a:cs typeface="Times New Roman" panose="02020603050405020304" pitchFamily="18" charset="0"/>
+              </a:rPr>
+              <a:t>1. </a:t>
+            </a:r>
+            <a:r>
+              <a:rPr lang="en-US" dirty="0" err="1"/>
+              <a:t>Ručna</a:t>
+            </a:r>
+            <a:r>
+              <a:rPr lang="en-US" dirty="0"/>
+              <a:t> </a:t>
+            </a:r>
+            <a:r>
+              <a:rPr lang="en-US" dirty="0" err="1"/>
+              <a:t>validacija</a:t>
+            </a:r>
+            <a:endParaRPr lang="en-US" dirty="0"/>
+          </a:p>
+        </p:txBody>
+      </p:sp>
+      <p:sp>
+        <p:nvSpPr>
+          <p:cNvPr id="6" name="TextBox 5">
+            <a:extLst>
+              <a:ext uri="{FF2B5EF4-FFF2-40B4-BE49-F238E27FC236}">
+                <a16:creationId xmlns:a16="http://schemas.microsoft.com/office/drawing/2014/main" id="{1A7FCCD2-7374-1E8E-DA12-B2F0366E85F6}"/>
+              </a:ext>
+            </a:extLst>
+          </p:cNvPr>
+          <p:cNvSpPr txBox="1"/>
+          <p:nvPr/>
+        </p:nvSpPr>
+        <p:spPr>
+          <a:xfrm>
+            <a:off x="6967728" y="2783373"/>
+            <a:ext cx="4005072" cy="369332"/>
+          </a:xfrm>
+          <a:prstGeom prst="rect">
+            <a:avLst/>
+          </a:prstGeom>
+          <a:noFill/>
+        </p:spPr>
+        <p:txBody>
+          <a:bodyPr wrap="square" rtlCol="0">
+            <a:spAutoFit/>
+          </a:bodyPr>
+          <a:lstStyle/>
+          <a:p>
+            <a:r>
+              <a:rPr lang="en-US" dirty="0"/>
+              <a:t>2. </a:t>
+            </a:r>
+            <a:r>
+              <a:rPr lang="en-US" dirty="0" err="1"/>
+              <a:t>FluentValidation</a:t>
+            </a:r>
+            <a:endParaRPr lang="en-US" dirty="0"/>
+          </a:p>
+        </p:txBody>
+      </p:sp>
+      <p:sp>
+        <p:nvSpPr>
+          <p:cNvPr id="7" name="TextBox 6">
+            <a:extLst>
+              <a:ext uri="{FF2B5EF4-FFF2-40B4-BE49-F238E27FC236}">
+                <a16:creationId xmlns:a16="http://schemas.microsoft.com/office/drawing/2014/main" id="{14E6FDB5-990E-CD69-036C-079C6CF00864}"/>
+              </a:ext>
+            </a:extLst>
+          </p:cNvPr>
+          <p:cNvSpPr txBox="1"/>
+          <p:nvPr/>
+        </p:nvSpPr>
+        <p:spPr>
+          <a:xfrm>
+            <a:off x="6967728" y="3269533"/>
+            <a:ext cx="5224272" cy="3139321"/>
+          </a:xfrm>
+          <a:prstGeom prst="rect">
+            <a:avLst/>
+          </a:prstGeom>
+          <a:noFill/>
+        </p:spPr>
+        <p:txBody>
+          <a:bodyPr wrap="square" rtlCol="0">
+            <a:spAutoFit/>
+          </a:bodyPr>
+          <a:lstStyle/>
+          <a:p>
+            <a:r>
+              <a:rPr lang="en-US" dirty="0" err="1"/>
+              <a:t>app.MapPost</a:t>
+            </a:r>
+            <a:r>
+              <a:rPr lang="en-US" dirty="0"/>
+              <a:t>("/users", (</a:t>
+            </a:r>
+          </a:p>
+          <a:p>
+            <a:r>
+              <a:rPr lang="en-US" dirty="0"/>
+              <a:t>    </a:t>
+            </a:r>
+            <a:r>
+              <a:rPr lang="en-US" dirty="0" err="1"/>
+              <a:t>UserDto</a:t>
+            </a:r>
+            <a:r>
+              <a:rPr lang="en-US" dirty="0"/>
+              <a:t> </a:t>
+            </a:r>
+            <a:r>
+              <a:rPr lang="en-US" dirty="0" err="1"/>
+              <a:t>dto</a:t>
+            </a:r>
+            <a:r>
+              <a:rPr lang="en-US" dirty="0"/>
+              <a:t>,</a:t>
+            </a:r>
+          </a:p>
+          <a:p>
+            <a:r>
+              <a:rPr lang="en-US" dirty="0"/>
+              <a:t>    </a:t>
+            </a:r>
+            <a:r>
+              <a:rPr lang="en-US" dirty="0" err="1"/>
+              <a:t>IValidator</a:t>
+            </a:r>
+            <a:r>
+              <a:rPr lang="en-US" dirty="0"/>
+              <a:t>&lt;</a:t>
+            </a:r>
+            <a:r>
+              <a:rPr lang="en-US" dirty="0" err="1"/>
+              <a:t>UserDto</a:t>
+            </a:r>
+            <a:r>
+              <a:rPr lang="en-US" dirty="0"/>
+              <a:t>&gt; validator) =&gt;</a:t>
+            </a:r>
+          </a:p>
+          <a:p>
+            <a:r>
+              <a:rPr lang="en-US" dirty="0"/>
+              <a:t>{</a:t>
+            </a:r>
+          </a:p>
+          <a:p>
+            <a:r>
+              <a:rPr lang="en-US" dirty="0"/>
+              <a:t>    var result = </a:t>
+            </a:r>
+            <a:r>
+              <a:rPr lang="en-US" dirty="0" err="1"/>
+              <a:t>validator.Validate</a:t>
+            </a:r>
+            <a:r>
+              <a:rPr lang="en-US" dirty="0"/>
+              <a:t>(</a:t>
+            </a:r>
+            <a:r>
+              <a:rPr lang="en-US" dirty="0" err="1"/>
+              <a:t>dto</a:t>
+            </a:r>
+            <a:r>
+              <a:rPr lang="en-US" dirty="0"/>
+              <a:t>);</a:t>
+            </a:r>
+          </a:p>
+          <a:p>
+            <a:r>
+              <a:rPr lang="en-US" dirty="0"/>
+              <a:t>    if (!</a:t>
+            </a:r>
+            <a:r>
+              <a:rPr lang="en-US" dirty="0" err="1"/>
+              <a:t>result.IsValid</a:t>
+            </a:r>
+            <a:r>
+              <a:rPr lang="en-US" dirty="0"/>
+              <a:t>)</a:t>
+            </a:r>
+          </a:p>
+          <a:p>
+            <a:r>
+              <a:rPr lang="en-US" dirty="0"/>
+              <a:t>        return </a:t>
+            </a:r>
+            <a:r>
+              <a:rPr lang="en-US" dirty="0" err="1"/>
+              <a:t>Results.ValidationProblem</a:t>
+            </a:r>
+            <a:r>
+              <a:rPr lang="en-US" dirty="0"/>
+              <a:t>();</a:t>
+            </a:r>
+          </a:p>
+          <a:p>
+            <a:endParaRPr lang="en-US" dirty="0"/>
+          </a:p>
+          <a:p>
+            <a:r>
+              <a:rPr lang="en-US" dirty="0"/>
+              <a:t>    return </a:t>
+            </a:r>
+            <a:r>
+              <a:rPr lang="en-US" dirty="0" err="1"/>
+              <a:t>Results.Ok</a:t>
+            </a:r>
+            <a:r>
+              <a:rPr lang="en-US" dirty="0"/>
+              <a:t>();</a:t>
+            </a:r>
+          </a:p>
+          <a:p>
+            <a:r>
+              <a:rPr lang="en-US" dirty="0"/>
+              <a:t>});</a:t>
+            </a:r>
+          </a:p>
+          <a:p>
+            <a:endParaRPr lang="en-US" dirty="0"/>
+          </a:p>
+        </p:txBody>
+      </p:sp>
+    </p:spTree>
+    <p:extLst>
+      <p:ext uri="{BB962C8B-B14F-4D97-AF65-F5344CB8AC3E}">
+        <p14:creationId xmlns:p14="http://schemas.microsoft.com/office/powerpoint/2010/main" val="935548939"/>
+      </p:ext>
+    </p:extLst>
+  </p:cSld>
+  <p:clrMapOvr>
+    <a:masterClrMapping/>
+  </p:clrMapOvr>
+</p:sld>
+</file>
+
+<file path=ppt/slides/slide13.xml><?xml version="1.0" encoding="utf-8"?>
+<p:sld xmlns:a="http://schemas.openxmlformats.org/drawingml/2006/main" xmlns:r="http://schemas.openxmlformats.org/officeDocument/2006/relationships" xmlns:p="http://schemas.openxmlformats.org/presentationml/2006/main">
+  <p:cSld>
+    <p:spTree>
+      <p:nvGrpSpPr>
+        <p:cNvPr id="1" name=""/>
+        <p:cNvGrpSpPr/>
+        <p:nvPr/>
+      </p:nvGrpSpPr>
+      <p:grpSpPr>
+        <a:xfrm>
+          <a:off x="0" y="0"/>
+          <a:ext cx="0" cy="0"/>
+          <a:chOff x="0" y="0"/>
+          <a:chExt cx="0" cy="0"/>
+        </a:xfrm>
+      </p:grpSpPr>
+      <p:sp>
+        <p:nvSpPr>
+          <p:cNvPr id="2" name="Title 1">
+            <a:extLst>
+              <a:ext uri="{FF2B5EF4-FFF2-40B4-BE49-F238E27FC236}">
+                <a16:creationId xmlns:a16="http://schemas.microsoft.com/office/drawing/2014/main" id="{59440C83-F4A4-8452-FC60-0657B5A059DB}"/>
+              </a:ext>
+            </a:extLst>
+          </p:cNvPr>
+          <p:cNvSpPr>
+            <a:spLocks noGrp="1"/>
+          </p:cNvSpPr>
+          <p:nvPr>
+            <p:ph type="title"/>
+          </p:nvPr>
+        </p:nvSpPr>
+        <p:spPr/>
+        <p:txBody>
+          <a:bodyPr>
+            <a:normAutofit/>
+          </a:bodyPr>
+          <a:lstStyle/>
+          <a:p>
+            <a:pPr algn="ctr"/>
+            <a:r>
+              <a:rPr lang="en-US" sz="4400" dirty="0" err="1"/>
+              <a:t>Povratne</a:t>
+            </a:r>
+            <a:r>
+              <a:rPr lang="en-US" sz="4400" dirty="0"/>
+              <a:t> </a:t>
+            </a:r>
+            <a:r>
+              <a:rPr lang="en-US" sz="4400" dirty="0" err="1"/>
+              <a:t>vrednosti</a:t>
+            </a:r>
+            <a:endParaRPr lang="en-US" sz="4400" dirty="0"/>
+          </a:p>
+        </p:txBody>
+      </p:sp>
+      <p:sp>
+        <p:nvSpPr>
+          <p:cNvPr id="3" name="Content Placeholder 2">
+            <a:extLst>
+              <a:ext uri="{FF2B5EF4-FFF2-40B4-BE49-F238E27FC236}">
+                <a16:creationId xmlns:a16="http://schemas.microsoft.com/office/drawing/2014/main" id="{A50757D7-A542-C01B-BAE6-14C5B0596FBC}"/>
+              </a:ext>
+            </a:extLst>
+          </p:cNvPr>
+          <p:cNvSpPr>
+            <a:spLocks noGrp="1"/>
+          </p:cNvSpPr>
+          <p:nvPr>
+            <p:ph idx="1"/>
+          </p:nvPr>
+        </p:nvSpPr>
+        <p:spPr/>
+        <p:txBody>
+          <a:bodyPr>
+            <a:normAutofit/>
+          </a:bodyPr>
+          <a:lstStyle/>
+          <a:p>
+            <a:pPr marL="0" indent="0">
+              <a:buNone/>
+            </a:pPr>
+            <a:r>
+              <a:rPr lang="en-US" sz="2400" dirty="0"/>
+              <a:t>Za </a:t>
+            </a:r>
+            <a:r>
+              <a:rPr lang="en-US" sz="2400" dirty="0" err="1"/>
+              <a:t>razliku</a:t>
+            </a:r>
+            <a:r>
+              <a:rPr lang="en-US" sz="2400" dirty="0"/>
+              <a:t> od controller approach-a koji </a:t>
+            </a:r>
+            <a:r>
+              <a:rPr lang="en-US" sz="2400" dirty="0" err="1"/>
+              <a:t>koristi</a:t>
+            </a:r>
+            <a:r>
+              <a:rPr lang="en-US" sz="2400" dirty="0"/>
+              <a:t> </a:t>
+            </a:r>
+            <a:r>
+              <a:rPr lang="en-US" sz="2400" dirty="0" err="1"/>
+              <a:t>apstrakciju</a:t>
+            </a:r>
+            <a:r>
+              <a:rPr lang="en-US" sz="2400" dirty="0"/>
+              <a:t> </a:t>
+            </a:r>
+            <a:r>
+              <a:rPr lang="en-US" sz="2400" dirty="0" err="1"/>
+              <a:t>IActionResult</a:t>
+            </a:r>
+            <a:r>
+              <a:rPr lang="en-US" sz="2400" dirty="0"/>
+              <a:t>, </a:t>
+            </a:r>
+            <a:r>
+              <a:rPr lang="en-US" sz="2400" dirty="0" err="1"/>
+              <a:t>MinimalApi</a:t>
+            </a:r>
+            <a:r>
+              <a:rPr lang="en-US" sz="2400" dirty="0"/>
+              <a:t> </a:t>
+            </a:r>
+            <a:r>
+              <a:rPr lang="en-US" sz="2400" dirty="0" err="1"/>
+              <a:t>radi</a:t>
+            </a:r>
+            <a:r>
+              <a:rPr lang="en-US" sz="2400" dirty="0"/>
+              <a:t> </a:t>
+            </a:r>
+            <a:r>
+              <a:rPr lang="en-US" sz="2400" dirty="0" err="1"/>
+              <a:t>sa</a:t>
+            </a:r>
+            <a:r>
+              <a:rPr lang="en-US" sz="2400" dirty="0"/>
+              <a:t> </a:t>
+            </a:r>
+            <a:r>
+              <a:rPr lang="en-US" sz="2400" dirty="0" err="1"/>
+              <a:t>strogo</a:t>
+            </a:r>
+            <a:r>
+              <a:rPr lang="en-US" sz="2400" dirty="0"/>
+              <a:t> </a:t>
+            </a:r>
+            <a:r>
+              <a:rPr lang="en-US" sz="2400" dirty="0" err="1"/>
+              <a:t>tipiziranim</a:t>
+            </a:r>
+            <a:r>
+              <a:rPr lang="en-US" sz="2400" dirty="0"/>
+              <a:t> </a:t>
+            </a:r>
+            <a:r>
+              <a:rPr lang="en-US" sz="2400" dirty="0" err="1"/>
+              <a:t>podacima</a:t>
+            </a:r>
+            <a:r>
+              <a:rPr lang="en-US" sz="2400" dirty="0"/>
+              <a:t>.</a:t>
+            </a:r>
+          </a:p>
+          <a:p>
+            <a:pPr marL="0" indent="0">
+              <a:buNone/>
+            </a:pPr>
+            <a:r>
+              <a:rPr lang="en-US" sz="2400" dirty="0"/>
+              <a:t>Klase Results I </a:t>
+            </a:r>
+            <a:r>
+              <a:rPr lang="en-US" sz="2400" dirty="0" err="1"/>
+              <a:t>TypedResults</a:t>
+            </a:r>
+            <a:r>
+              <a:rPr lang="en-US" sz="2400" dirty="0"/>
+              <a:t> d</a:t>
+            </a:r>
+            <a:r>
+              <a:rPr lang="pl-PL" sz="2400" dirty="0"/>
+              <a:t>aje potpunu kontrolu nad HTTP odgovorima.</a:t>
+            </a:r>
+            <a:endParaRPr lang="en-US" sz="2400" dirty="0"/>
+          </a:p>
+          <a:p>
+            <a:r>
+              <a:rPr lang="en-US" sz="2400" dirty="0" err="1"/>
+              <a:t>Results.Ok</a:t>
+            </a:r>
+            <a:r>
+              <a:rPr lang="en-US" sz="2400" dirty="0"/>
+              <a:t>()</a:t>
+            </a:r>
+          </a:p>
+          <a:p>
+            <a:r>
+              <a:rPr lang="en-US" sz="2400" dirty="0" err="1"/>
+              <a:t>Results.NotFound</a:t>
+            </a:r>
+            <a:r>
+              <a:rPr lang="en-US" sz="2400" dirty="0"/>
+              <a:t>()</a:t>
+            </a:r>
+          </a:p>
+          <a:p>
+            <a:r>
+              <a:rPr lang="en-US" sz="2400" dirty="0" err="1"/>
+              <a:t>Results.BadRequest</a:t>
+            </a:r>
+            <a:r>
+              <a:rPr lang="en-US" sz="2400" dirty="0"/>
+              <a:t>()</a:t>
+            </a:r>
+          </a:p>
+          <a:p>
+            <a:r>
+              <a:rPr lang="en-US" sz="2400" dirty="0" err="1"/>
+              <a:t>Results.Redirect</a:t>
+            </a:r>
+            <a:r>
+              <a:rPr lang="en-US" sz="2400" dirty="0"/>
+              <a:t>()</a:t>
+            </a:r>
+          </a:p>
+        </p:txBody>
+      </p:sp>
+    </p:spTree>
+    <p:extLst>
+      <p:ext uri="{BB962C8B-B14F-4D97-AF65-F5344CB8AC3E}">
+        <p14:creationId xmlns:p14="http://schemas.microsoft.com/office/powerpoint/2010/main" val="687870437"/>
+      </p:ext>
+    </p:extLst>
+  </p:cSld>
+  <p:clrMapOvr>
+    <a:masterClrMapping/>
+  </p:clrMapOvr>
+</p:sld>
+</file>
+
+<file path=ppt/slides/slide14.xml><?xml version="1.0" encoding="utf-8"?>
+<p:sld xmlns:a="http://schemas.openxmlformats.org/drawingml/2006/main" xmlns:r="http://schemas.openxmlformats.org/officeDocument/2006/relationships" xmlns:p="http://schemas.openxmlformats.org/presentationml/2006/main">
+  <p:cSld>
+    <p:spTree>
+      <p:nvGrpSpPr>
+        <p:cNvPr id="1" name=""/>
+        <p:cNvGrpSpPr/>
+        <p:nvPr/>
+      </p:nvGrpSpPr>
+      <p:grpSpPr>
+        <a:xfrm>
+          <a:off x="0" y="0"/>
+          <a:ext cx="0" cy="0"/>
+          <a:chOff x="0" y="0"/>
+          <a:chExt cx="0" cy="0"/>
+        </a:xfrm>
+      </p:grpSpPr>
+      <p:sp>
+        <p:nvSpPr>
+          <p:cNvPr id="2" name="Title 1">
+            <a:extLst>
+              <a:ext uri="{FF2B5EF4-FFF2-40B4-BE49-F238E27FC236}">
                 <a16:creationId xmlns:a16="http://schemas.microsoft.com/office/drawing/2014/main" id="{031A2669-2E29-4680-F554-95123B056F1C}"/>
               </a:ext>
             </a:extLst>
@@ -5893,7 +7880,7 @@
 </p:sld>
 </file>
 
-<file path=ppt/slides/slide12.xml><?xml version="1.0" encoding="utf-8"?>
+<file path=ppt/slides/slide15.xml><?xml version="1.0" encoding="utf-8"?>
 <p:sld xmlns:a="http://schemas.openxmlformats.org/drawingml/2006/main" xmlns:r="http://schemas.openxmlformats.org/officeDocument/2006/relationships" xmlns:p="http://schemas.openxmlformats.org/presentationml/2006/main">
   <p:cSld>
     <p:spTree>
@@ -6207,7 +8194,7 @@
 </p:sld>
 </file>
 
-<file path=ppt/slides/slide13.xml><?xml version="1.0" encoding="utf-8"?>
+<file path=ppt/slides/slide16.xml><?xml version="1.0" encoding="utf-8"?>
 <p:sld xmlns:a="http://schemas.openxmlformats.org/drawingml/2006/main" xmlns:r="http://schemas.openxmlformats.org/officeDocument/2006/relationships" xmlns:p="http://schemas.openxmlformats.org/presentationml/2006/main">
   <p:cSld>
     <p:spTree>
@@ -6256,7 +8243,7 @@
             <a:pPr algn="ctr"/>
             <a:r>
               <a:rPr lang="en-US" sz="4400" dirty="0"/>
-              <a:t>URL Shortener- </a:t>
+              <a:t>URL Shortener - </a:t>
             </a:r>
             <a:r>
               <a:rPr lang="en-US" sz="4400" dirty="0" err="1"/>
@@ -6483,7 +8470,7 @@
 </p:sld>
 </file>
 
-<file path=ppt/slides/slide14.xml><?xml version="1.0" encoding="utf-8"?>
+<file path=ppt/slides/slide17.xml><?xml version="1.0" encoding="utf-8"?>
 <p:sld xmlns:a="http://schemas.openxmlformats.org/drawingml/2006/main" xmlns:r="http://schemas.openxmlformats.org/officeDocument/2006/relationships" xmlns:p="http://schemas.openxmlformats.org/presentationml/2006/main">
   <p:cSld>
     <p:spTree>
@@ -6553,8 +8540,8 @@
         </p:blipFill>
         <p:spPr>
           <a:xfrm>
-            <a:off x="6099360" y="2131342"/>
-            <a:ext cx="5889439" cy="3010703"/>
+            <a:off x="6211827" y="2224753"/>
+            <a:ext cx="5541262" cy="2917292"/>
           </a:xfrm>
           <a:prstGeom prst="rect">
             <a:avLst/>
@@ -6583,8 +8570,8 @@
         </p:blipFill>
         <p:spPr>
           <a:xfrm>
-            <a:off x="380999" y="2224753"/>
-            <a:ext cx="5718361" cy="2917291"/>
+            <a:off x="438912" y="2224753"/>
+            <a:ext cx="5541264" cy="2917291"/>
           </a:xfrm>
           <a:prstGeom prst="rect">
             <a:avLst/>
@@ -6604,7 +8591,7 @@
 </p:sld>
 </file>
 
-<file path=ppt/slides/slide15.xml><?xml version="1.0" encoding="utf-8"?>
+<file path=ppt/slides/slide18.xml><?xml version="1.0" encoding="utf-8"?>
 <p:sld xmlns:a="http://schemas.openxmlformats.org/drawingml/2006/main" xmlns:r="http://schemas.openxmlformats.org/officeDocument/2006/relationships" xmlns:p="http://schemas.openxmlformats.org/presentationml/2006/main">
   <p:cSld>
     <p:bg>
@@ -6988,7 +8975,7 @@
           <a:lstStyle/>
           <a:p>
             <a:r>
-              <a:rPr lang="en-US" dirty="0">
+              <a:rPr lang="en-US" b="1" dirty="0">
                 <a:solidFill>
                   <a:srgbClr val="FFFFFF"/>
                 </a:solidFill>
@@ -6996,7 +8983,7 @@
               <a:t>Hvala </a:t>
             </a:r>
             <a:r>
-              <a:rPr lang="en-US" dirty="0" err="1">
+              <a:rPr lang="en-US" b="1" dirty="0" err="1">
                 <a:solidFill>
                   <a:srgbClr val="FFFFFF"/>
                 </a:solidFill>
@@ -7004,7 +8991,7 @@
               <a:t>na</a:t>
             </a:r>
             <a:r>
-              <a:rPr lang="en-US" dirty="0">
+              <a:rPr lang="en-US" b="1" dirty="0">
                 <a:solidFill>
                   <a:srgbClr val="FFFFFF"/>
                 </a:solidFill>
@@ -7012,16 +8999,16 @@
               <a:t> </a:t>
             </a:r>
             <a:r>
-              <a:rPr lang="en-US" dirty="0" err="1">
+              <a:rPr lang="en-US" b="1" dirty="0" err="1">
                 <a:solidFill>
-                  <a:srgbClr val="FFFFFF"/>
+                  <a:schemeClr val="bg1"/>
                 </a:solidFill>
               </a:rPr>
-              <a:t>paznji</a:t>
-            </a:r>
-            <a:endParaRPr lang="en-US" dirty="0">
+              <a:t>paŽnji</a:t>
+            </a:r>
+            <a:endParaRPr lang="en-US" b="1" dirty="0">
               <a:solidFill>
-                <a:srgbClr val="FFFFFF"/>
+                <a:schemeClr val="bg1"/>
               </a:solidFill>
             </a:endParaRPr>
           </a:p>
@@ -8082,7 +10069,7 @@
           <p:nvPr/>
         </p:nvPicPr>
         <p:blipFill>
-          <a:blip r:embed="rId2"/>
+          <a:blip r:embed="rId3"/>
           <a:stretch>
             <a:fillRect/>
           </a:stretch>
@@ -8200,7 +10187,7 @@
         <p:spPr>
           <a:xfrm>
             <a:off x="465379" y="2059305"/>
-            <a:ext cx="5681278" cy="3762374"/>
+            <a:ext cx="5579965" cy="3762374"/>
           </a:xfrm>
           <a:prstGeom prst="rect">
             <a:avLst/>
@@ -8229,8 +10216,8 @@
         </p:blipFill>
         <p:spPr>
           <a:xfrm>
-            <a:off x="6146657" y="2059304"/>
-            <a:ext cx="5649212" cy="3762375"/>
+            <a:off x="6215903" y="2059304"/>
+            <a:ext cx="5579966" cy="3762375"/>
           </a:xfrm>
           <a:prstGeom prst="rect">
             <a:avLst/>
@@ -8289,8 +10276,8 @@
         </p:blipFill>
         <p:spPr>
           <a:xfrm>
-            <a:off x="98355" y="829054"/>
-            <a:ext cx="5650550" cy="4525266"/>
+            <a:off x="98356" y="829054"/>
+            <a:ext cx="5866580" cy="4525266"/>
           </a:xfrm>
           <a:prstGeom prst="rect">
             <a:avLst/>
@@ -8319,8 +10306,8 @@
         </p:blipFill>
         <p:spPr>
           <a:xfrm>
-            <a:off x="5748905" y="829054"/>
-            <a:ext cx="6344740" cy="4525266"/>
+            <a:off x="6227065" y="829054"/>
+            <a:ext cx="5866580" cy="4525266"/>
           </a:xfrm>
           <a:prstGeom prst="rect">
             <a:avLst/>
@@ -8362,7 +10349,7 @@
           <p:cNvPr id="2" name="Title 1">
             <a:extLst>
               <a:ext uri="{FF2B5EF4-FFF2-40B4-BE49-F238E27FC236}">
-                <a16:creationId xmlns:a16="http://schemas.microsoft.com/office/drawing/2014/main" id="{EE38E156-A793-D5EF-0729-8B29E6D8B0A7}"/>
+                <a16:creationId xmlns:a16="http://schemas.microsoft.com/office/drawing/2014/main" id="{F63A749D-5375-F32A-3FBB-32C717C01113}"/>
               </a:ext>
             </a:extLst>
           </p:cNvPr>
@@ -8382,125 +10369,51 @@
           <a:p>
             <a:pPr algn="ctr"/>
             <a:r>
+              <a:rPr lang="en-US" sz="4400" dirty="0"/>
+              <a:t>Request lifecycle in minimal </a:t>
+            </a:r>
+            <a:r>
               <a:rPr lang="en-US" sz="4400" dirty="0" err="1"/>
-              <a:t>Mapiranje</a:t>
-            </a:r>
-            <a:r>
-              <a:rPr lang="en-US" sz="4400" dirty="0"/>
-              <a:t> </a:t>
-            </a:r>
-            <a:r>
-              <a:rPr lang="en-US" sz="4400" dirty="0" err="1"/>
-              <a:t>endpointa</a:t>
+              <a:t>apis</a:t>
             </a:r>
             <a:endParaRPr lang="en-US" sz="4400" dirty="0"/>
           </a:p>
         </p:txBody>
       </p:sp>
-      <p:sp>
-        <p:nvSpPr>
-          <p:cNvPr id="3" name="Content Placeholder 2">
+      <p:pic>
+        <p:nvPicPr>
+          <p:cNvPr id="4" name="Picture 3">
             <a:extLst>
               <a:ext uri="{FF2B5EF4-FFF2-40B4-BE49-F238E27FC236}">
-                <a16:creationId xmlns:a16="http://schemas.microsoft.com/office/drawing/2014/main" id="{C2F667EF-BC7D-4402-C8D7-2476225A2D38}"/>
+                <a16:creationId xmlns:a16="http://schemas.microsoft.com/office/drawing/2014/main" id="{C7C350F3-23C5-BBA0-837D-CEC6C21FD7A4}"/>
               </a:ext>
             </a:extLst>
           </p:cNvPr>
-          <p:cNvSpPr>
-            <a:spLocks noGrp="1"/>
-          </p:cNvSpPr>
-          <p:nvPr>
-            <p:ph idx="1"/>
-          </p:nvPr>
-        </p:nvSpPr>
-        <p:spPr/>
-        <p:txBody>
-          <a:bodyPr/>
-          <a:lstStyle/>
-          <a:p>
-            <a:r>
-              <a:rPr lang="en-US" sz="3600" dirty="0" err="1"/>
-              <a:t>MapGet</a:t>
-            </a:r>
-            <a:endParaRPr lang="en-US" sz="3600" dirty="0"/>
-          </a:p>
-          <a:p>
-            <a:r>
-              <a:rPr lang="en-US" sz="3600" dirty="0" err="1"/>
-              <a:t>MapPost</a:t>
-            </a:r>
-            <a:endParaRPr lang="en-US" sz="3600" dirty="0"/>
-          </a:p>
-          <a:p>
-            <a:r>
-              <a:rPr lang="en-US" sz="3600" dirty="0" err="1"/>
-              <a:t>MapPut</a:t>
-            </a:r>
-            <a:endParaRPr lang="en-US" sz="3600" dirty="0"/>
-          </a:p>
-          <a:p>
-            <a:r>
-              <a:rPr lang="en-US" sz="3600" dirty="0"/>
-              <a:t>Map Delete</a:t>
-            </a:r>
-          </a:p>
-          <a:p>
-            <a:pPr marL="0" indent="0" algn="r">
-              <a:buNone/>
-            </a:pPr>
-            <a:endParaRPr lang="en-US" dirty="0"/>
-          </a:p>
-        </p:txBody>
-      </p:sp>
-      <p:sp>
-        <p:nvSpPr>
-          <p:cNvPr id="4" name="TextBox 3">
-            <a:extLst>
-              <a:ext uri="{FF2B5EF4-FFF2-40B4-BE49-F238E27FC236}">
-                <a16:creationId xmlns:a16="http://schemas.microsoft.com/office/drawing/2014/main" id="{2E9FE8DD-4D7E-9023-920C-D4727A0BF4D0}"/>
-              </a:ext>
-            </a:extLst>
-          </p:cNvPr>
-          <p:cNvSpPr txBox="1"/>
+          <p:cNvPicPr>
+            <a:picLocks noChangeAspect="1"/>
+          </p:cNvPicPr>
           <p:nvPr/>
-        </p:nvSpPr>
+        </p:nvPicPr>
+        <p:blipFill>
+          <a:blip r:embed="rId2"/>
+          <a:stretch>
+            <a:fillRect/>
+          </a:stretch>
+        </p:blipFill>
         <p:spPr>
           <a:xfrm>
-            <a:off x="5304246" y="3105834"/>
-            <a:ext cx="6773333" cy="954107"/>
+            <a:off x="4203192" y="1993392"/>
+            <a:ext cx="3139440" cy="4709160"/>
           </a:xfrm>
           <a:prstGeom prst="rect">
             <a:avLst/>
           </a:prstGeom>
-          <a:noFill/>
         </p:spPr>
-        <p:txBody>
-          <a:bodyPr wrap="square" rtlCol="0">
-            <a:spAutoFit/>
-          </a:bodyPr>
-          <a:lstStyle/>
-          <a:p>
-            <a:r>
-              <a:rPr lang="en-US" sz="2800" dirty="0"/>
-              <a:t>Primer:</a:t>
-            </a:r>
-          </a:p>
-          <a:p>
-            <a:r>
-              <a:rPr lang="en-US" sz="2800" dirty="0" err="1"/>
-              <a:t>app.MapGet</a:t>
-            </a:r>
-            <a:r>
-              <a:rPr lang="en-US" sz="2800" dirty="0"/>
-              <a:t>("/users/{id}", (int id) =&gt; id);</a:t>
-            </a:r>
-          </a:p>
-        </p:txBody>
-      </p:sp>
+      </p:pic>
     </p:spTree>
     <p:extLst>
       <p:ext uri="{BB962C8B-B14F-4D97-AF65-F5344CB8AC3E}">
-        <p14:creationId xmlns:p14="http://schemas.microsoft.com/office/powerpoint/2010/main" val="3858625350"/>
+        <p14:creationId xmlns:p14="http://schemas.microsoft.com/office/powerpoint/2010/main" val="2224258703"/>
       </p:ext>
     </p:extLst>
   </p:cSld>
@@ -8532,7 +10445,7 @@
           <p:cNvPr id="2" name="Title 1">
             <a:extLst>
               <a:ext uri="{FF2B5EF4-FFF2-40B4-BE49-F238E27FC236}">
-                <a16:creationId xmlns:a16="http://schemas.microsoft.com/office/drawing/2014/main" id="{32AE807E-B44F-123C-762D-B757F1B8E284}"/>
+                <a16:creationId xmlns:a16="http://schemas.microsoft.com/office/drawing/2014/main" id="{EE38E156-A793-D5EF-0729-8B29E6D8B0A7}"/>
               </a:ext>
             </a:extLst>
           </p:cNvPr>
@@ -8552,9 +10465,18 @@
           <a:p>
             <a:pPr algn="ctr"/>
             <a:r>
+              <a:rPr lang="en-US" sz="4400" dirty="0" err="1"/>
+              <a:t>Mapiranje</a:t>
+            </a:r>
+            <a:r>
               <a:rPr lang="en-US" sz="4400" dirty="0"/>
-              <a:t>Model Binding</a:t>
-            </a:r>
+              <a:t> </a:t>
+            </a:r>
+            <a:r>
+              <a:rPr lang="en-US" sz="4400" dirty="0" err="1"/>
+              <a:t>endpointa</a:t>
+            </a:r>
+            <a:endParaRPr lang="en-US" sz="4400" dirty="0"/>
           </a:p>
         </p:txBody>
       </p:sp>
@@ -8563,7 +10485,7 @@
           <p:cNvPr id="3" name="Content Placeholder 2">
             <a:extLst>
               <a:ext uri="{FF2B5EF4-FFF2-40B4-BE49-F238E27FC236}">
-                <a16:creationId xmlns:a16="http://schemas.microsoft.com/office/drawing/2014/main" id="{CE91C00D-3D0A-D5D4-D63D-1A958B4AE940}"/>
+                <a16:creationId xmlns:a16="http://schemas.microsoft.com/office/drawing/2014/main" id="{C2F667EF-BC7D-4402-C8D7-2476225A2D38}"/>
               </a:ext>
             </a:extLst>
           </p:cNvPr>
@@ -8579,129 +10501,89 @@
           <a:bodyPr/>
           <a:lstStyle/>
           <a:p>
-            <a:pPr marL="0" indent="0">
-              <a:buNone/>
-            </a:pPr>
-            <a:r>
-              <a:rPr lang="en-US" sz="2400" dirty="0" err="1"/>
-              <a:t>Automatsko</a:t>
-            </a:r>
-            <a:r>
-              <a:rPr lang="en-US" sz="2400" dirty="0"/>
-              <a:t> </a:t>
-            </a:r>
-            <a:r>
-              <a:rPr lang="en-US" sz="2400" dirty="0" err="1"/>
-              <a:t>vezivanje</a:t>
-            </a:r>
-            <a:r>
-              <a:rPr lang="en-US" sz="2400" dirty="0"/>
-              <a:t> </a:t>
-            </a:r>
-            <a:r>
-              <a:rPr lang="en-US" sz="2400" dirty="0" err="1"/>
-              <a:t>podataka</a:t>
-            </a:r>
-            <a:endParaRPr lang="en-US" sz="2400" dirty="0"/>
-          </a:p>
-          <a:p>
-            <a:pPr marL="0" indent="0">
-              <a:buNone/>
-            </a:pPr>
-            <a:r>
-              <a:rPr lang="en-US" sz="2400" dirty="0"/>
-              <a:t>Minimal APIs </a:t>
-            </a:r>
-            <a:r>
-              <a:rPr lang="en-US" sz="2400" dirty="0" err="1"/>
-              <a:t>podržavaju</a:t>
-            </a:r>
-            <a:r>
-              <a:rPr lang="en-US" sz="2400" dirty="0"/>
-              <a:t>:</a:t>
-            </a:r>
-          </a:p>
-          <a:p>
-            <a:r>
-              <a:rPr lang="en-US" sz="2400" dirty="0"/>
-              <a:t>Route </a:t>
-            </a:r>
-            <a:r>
-              <a:rPr lang="en-US" sz="2400" dirty="0" err="1"/>
-              <a:t>parametre</a:t>
-            </a:r>
-            <a:endParaRPr lang="en-US" sz="2400" dirty="0"/>
-          </a:p>
-          <a:p>
-            <a:r>
-              <a:rPr lang="en-US" sz="2400" dirty="0"/>
-              <a:t>Query </a:t>
-            </a:r>
-            <a:r>
-              <a:rPr lang="en-US" sz="2400" dirty="0" err="1"/>
-              <a:t>parametre</a:t>
-            </a:r>
-            <a:endParaRPr lang="en-US" sz="2400" dirty="0"/>
-          </a:p>
-          <a:p>
-            <a:r>
-              <a:rPr lang="en-US" sz="2400" dirty="0"/>
-              <a:t>Body </a:t>
-            </a:r>
-            <a:r>
-              <a:rPr lang="en-US" sz="2400" dirty="0" err="1"/>
-              <a:t>objekte</a:t>
-            </a:r>
-            <a:endParaRPr lang="en-US" sz="2400" dirty="0"/>
-          </a:p>
-          <a:p>
-            <a:r>
-              <a:rPr lang="en-US" sz="2400" dirty="0"/>
-              <a:t>Header-e</a:t>
-            </a:r>
-          </a:p>
-          <a:p>
-            <a:pPr marL="0" indent="0">
+            <a:r>
+              <a:rPr lang="en-US" sz="3600" dirty="0" err="1"/>
+              <a:t>MapGet</a:t>
+            </a:r>
+            <a:endParaRPr lang="en-US" sz="3600" dirty="0"/>
+          </a:p>
+          <a:p>
+            <a:r>
+              <a:rPr lang="en-US" sz="3600" dirty="0" err="1"/>
+              <a:t>MapPost</a:t>
+            </a:r>
+            <a:endParaRPr lang="en-US" sz="3600" dirty="0"/>
+          </a:p>
+          <a:p>
+            <a:r>
+              <a:rPr lang="en-US" sz="3600" dirty="0" err="1"/>
+              <a:t>MapPut</a:t>
+            </a:r>
+            <a:endParaRPr lang="en-US" sz="3600" dirty="0"/>
+          </a:p>
+          <a:p>
+            <a:r>
+              <a:rPr lang="en-US" sz="3600" dirty="0"/>
+              <a:t>Map Delete</a:t>
+            </a:r>
+          </a:p>
+          <a:p>
+            <a:pPr marL="0" indent="0" algn="r">
               <a:buNone/>
             </a:pPr>
             <a:endParaRPr lang="en-US" dirty="0"/>
           </a:p>
         </p:txBody>
       </p:sp>
-      <p:pic>
-        <p:nvPicPr>
-          <p:cNvPr id="6" name="Picture 5">
+      <p:sp>
+        <p:nvSpPr>
+          <p:cNvPr id="4" name="TextBox 3">
             <a:extLst>
               <a:ext uri="{FF2B5EF4-FFF2-40B4-BE49-F238E27FC236}">
-                <a16:creationId xmlns:a16="http://schemas.microsoft.com/office/drawing/2014/main" id="{A49B2293-8B18-6703-5334-420946E87DBD}"/>
+                <a16:creationId xmlns:a16="http://schemas.microsoft.com/office/drawing/2014/main" id="{2E9FE8DD-4D7E-9023-920C-D4727A0BF4D0}"/>
               </a:ext>
             </a:extLst>
           </p:cNvPr>
-          <p:cNvPicPr>
-            <a:picLocks noChangeAspect="1"/>
-          </p:cNvPicPr>
+          <p:cNvSpPr txBox="1"/>
           <p:nvPr/>
-        </p:nvPicPr>
-        <p:blipFill>
-          <a:blip r:embed="rId3"/>
-          <a:stretch>
-            <a:fillRect/>
-          </a:stretch>
-        </p:blipFill>
+        </p:nvSpPr>
         <p:spPr>
           <a:xfrm>
-            <a:off x="7416800" y="1868356"/>
-            <a:ext cx="3078480" cy="4617720"/>
+            <a:off x="5304246" y="3105834"/>
+            <a:ext cx="6773333" cy="954107"/>
           </a:xfrm>
           <a:prstGeom prst="rect">
             <a:avLst/>
           </a:prstGeom>
+          <a:noFill/>
         </p:spPr>
-      </p:pic>
+        <p:txBody>
+          <a:bodyPr wrap="square" rtlCol="0">
+            <a:spAutoFit/>
+          </a:bodyPr>
+          <a:lstStyle/>
+          <a:p>
+            <a:r>
+              <a:rPr lang="en-US" sz="2800" dirty="0"/>
+              <a:t>Primer:</a:t>
+            </a:r>
+          </a:p>
+          <a:p>
+            <a:r>
+              <a:rPr lang="en-US" sz="2800" dirty="0" err="1"/>
+              <a:t>app.MapGet</a:t>
+            </a:r>
+            <a:r>
+              <a:rPr lang="en-US" sz="2800" dirty="0"/>
+              <a:t>("/users/{id}", (int id) =&gt; id);</a:t>
+            </a:r>
+          </a:p>
+        </p:txBody>
+      </p:sp>
     </p:spTree>
     <p:extLst>
       <p:ext uri="{BB962C8B-B14F-4D97-AF65-F5344CB8AC3E}">
-        <p14:creationId xmlns:p14="http://schemas.microsoft.com/office/powerpoint/2010/main" val="1859412917"/>
+        <p14:creationId xmlns:p14="http://schemas.microsoft.com/office/powerpoint/2010/main" val="3858625350"/>
       </p:ext>
     </p:extLst>
   </p:cSld>
@@ -9571,26 +11453,6 @@
 </file>
 
 <file path=customXml/item1.xml><?xml version="1.0" encoding="utf-8"?>
-<p:properties xmlns:p="http://schemas.microsoft.com/office/2006/metadata/properties" xmlns:xsi="http://www.w3.org/2001/XMLSchema-instance" xmlns:pc="http://schemas.microsoft.com/office/infopath/2007/PartnerControls">
-  <documentManagement>
-    <_ip_UnifiedCompliancePolicyUIAction xmlns="http://schemas.microsoft.com/sharepoint/v3" xsi:nil="true"/>
-    <Image xmlns="71af3243-3dd4-4a8d-8c0d-dd76da1f02a5">
-      <Url xsi:nil="true"/>
-      <Description xsi:nil="true"/>
-    </Image>
-    <Status xmlns="71af3243-3dd4-4a8d-8c0d-dd76da1f02a5">Not started</Status>
-    <Background xmlns="71af3243-3dd4-4a8d-8c0d-dd76da1f02a5">false</Background>
-    <_ip_UnifiedCompliancePolicyProperties xmlns="http://schemas.microsoft.com/sharepoint/v3" xsi:nil="true"/>
-    <ImageTagsTaxHTField xmlns="71af3243-3dd4-4a8d-8c0d-dd76da1f02a5">
-      <Terms xmlns="http://schemas.microsoft.com/office/infopath/2007/PartnerControls"/>
-    </ImageTagsTaxHTField>
-    <TaxCatchAll xmlns="230e9df3-be65-4c73-a93b-d1236ebd677e" xsi:nil="true"/>
-    <MediaServiceKeyPoints xmlns="71af3243-3dd4-4a8d-8c0d-dd76da1f02a5" xsi:nil="true"/>
-  </documentManagement>
-</p:properties>
-</file>
-
-<file path=customXml/item2.xml><?xml version="1.0" encoding="utf-8"?>
 <ct:contentTypeSchema xmlns:ct="http://schemas.microsoft.com/office/2006/metadata/contentType" xmlns:ma="http://schemas.microsoft.com/office/2006/metadata/properties/metaAttributes" ct:_="" ma:_="" ma:contentTypeName="Document" ma:contentTypeID="0x01010079F111ED35F8CC479449609E8A0923A6" ma:contentTypeVersion="27" ma:contentTypeDescription="Create a new document." ma:contentTypeScope="" ma:versionID="c6f9a84f66a9c8b9a21755b9ffafb945">
   <xsd:schema xmlns:xsd="http://www.w3.org/2001/XMLSchema" xmlns:xs="http://www.w3.org/2001/XMLSchema" xmlns:p="http://schemas.microsoft.com/office/2006/metadata/properties" xmlns:ns1="http://schemas.microsoft.com/sharepoint/v3" xmlns:ns2="71af3243-3dd4-4a8d-8c0d-dd76da1f02a5" xmlns:ns3="16c05727-aa75-4e4a-9b5f-8a80a1165891" xmlns:ns4="230e9df3-be65-4c73-a93b-d1236ebd677e" targetNamespace="http://schemas.microsoft.com/office/2006/metadata/properties" ma:root="true" ma:fieldsID="27df39e3e7036dff54f89ddd5805ce72" ns1:_="" ns2:_="" ns3:_="" ns4:_="">
     <xsd:import namespace="http://schemas.microsoft.com/sharepoint/v3"/>
@@ -9896,6 +11758,26 @@
 </ct:contentTypeSchema>
 </file>
 
+<file path=customXml/item2.xml><?xml version="1.0" encoding="utf-8"?>
+<p:properties xmlns:p="http://schemas.microsoft.com/office/2006/metadata/properties" xmlns:xsi="http://www.w3.org/2001/XMLSchema-instance" xmlns:pc="http://schemas.microsoft.com/office/infopath/2007/PartnerControls">
+  <documentManagement>
+    <_ip_UnifiedCompliancePolicyUIAction xmlns="http://schemas.microsoft.com/sharepoint/v3" xsi:nil="true"/>
+    <Image xmlns="71af3243-3dd4-4a8d-8c0d-dd76da1f02a5">
+      <Url xsi:nil="true"/>
+      <Description xsi:nil="true"/>
+    </Image>
+    <Status xmlns="71af3243-3dd4-4a8d-8c0d-dd76da1f02a5">Not started</Status>
+    <Background xmlns="71af3243-3dd4-4a8d-8c0d-dd76da1f02a5">false</Background>
+    <_ip_UnifiedCompliancePolicyProperties xmlns="http://schemas.microsoft.com/sharepoint/v3" xsi:nil="true"/>
+    <ImageTagsTaxHTField xmlns="71af3243-3dd4-4a8d-8c0d-dd76da1f02a5">
+      <Terms xmlns="http://schemas.microsoft.com/office/infopath/2007/PartnerControls"/>
+    </ImageTagsTaxHTField>
+    <TaxCatchAll xmlns="230e9df3-be65-4c73-a93b-d1236ebd677e" xsi:nil="true"/>
+    <MediaServiceKeyPoints xmlns="71af3243-3dd4-4a8d-8c0d-dd76da1f02a5" xsi:nil="true"/>
+  </documentManagement>
+</p:properties>
+</file>
+
 <file path=customXml/item3.xml><?xml version="1.0" encoding="utf-8"?>
 <?mso-contentType ?>
 <FormTemplates xmlns="http://schemas.microsoft.com/sharepoint/v3/contenttype/forms">
@@ -9906,18 +11788,6 @@
 </file>
 
 <file path=customXml/itemProps1.xml><?xml version="1.0" encoding="utf-8"?>
-<ds:datastoreItem xmlns:ds="http://schemas.openxmlformats.org/officeDocument/2006/customXml" ds:itemID="{3791575F-4C21-47C4-8D13-EB9BE66B536F}">
-  <ds:schemaRefs>
-    <ds:schemaRef ds:uri="http://schemas.microsoft.com/office/2006/metadata/properties"/>
-    <ds:schemaRef ds:uri="http://schemas.microsoft.com/office/infopath/2007/PartnerControls"/>
-    <ds:schemaRef ds:uri="http://schemas.microsoft.com/sharepoint/v3"/>
-    <ds:schemaRef ds:uri="71af3243-3dd4-4a8d-8c0d-dd76da1f02a5"/>
-    <ds:schemaRef ds:uri="230e9df3-be65-4c73-a93b-d1236ebd677e"/>
-  </ds:schemaRefs>
-</ds:datastoreItem>
-</file>
-
-<file path=customXml/itemProps2.xml><?xml version="1.0" encoding="utf-8"?>
 <ds:datastoreItem xmlns:ds="http://schemas.openxmlformats.org/officeDocument/2006/customXml" ds:itemID="{792209EB-3212-4116-B574-D1F56C7C4922}">
   <ds:schemaRefs>
     <ds:schemaRef ds:uri="http://schemas.microsoft.com/office/2006/metadata/contentType"/>
@@ -9938,6 +11808,18 @@
 </ds:datastoreItem>
 </file>
 
+<file path=customXml/itemProps2.xml><?xml version="1.0" encoding="utf-8"?>
+<ds:datastoreItem xmlns:ds="http://schemas.openxmlformats.org/officeDocument/2006/customXml" ds:itemID="{3791575F-4C21-47C4-8D13-EB9BE66B536F}">
+  <ds:schemaRefs>
+    <ds:schemaRef ds:uri="http://schemas.microsoft.com/office/2006/metadata/properties"/>
+    <ds:schemaRef ds:uri="http://schemas.microsoft.com/office/infopath/2007/PartnerControls"/>
+    <ds:schemaRef ds:uri="http://schemas.microsoft.com/sharepoint/v3"/>
+    <ds:schemaRef ds:uri="71af3243-3dd4-4a8d-8c0d-dd76da1f02a5"/>
+    <ds:schemaRef ds:uri="230e9df3-be65-4c73-a93b-d1236ebd677e"/>
+  </ds:schemaRefs>
+</ds:datastoreItem>
+</file>
+
 <file path=customXml/itemProps3.xml><?xml version="1.0" encoding="utf-8"?>
 <ds:datastoreItem xmlns:ds="http://schemas.openxmlformats.org/officeDocument/2006/customXml" ds:itemID="{342D3C2F-55A5-48C0-9D5A-95C7FF0389D0}">
   <ds:schemaRefs>
